--- a/content/D-Spark/D-Spark-Object-Storage.pptx
+++ b/content/D-Spark/D-Spark-Object-Storage.pptx
@@ -4,8 +4,32 @@
   <p:sldMasterIdLst>
     <p:sldMasterId id="2147483648" r:id="rId1"/>
   </p:sldMasterIdLst>
+  <p:notesMasterIdLst>
+    <p:notesMasterId r:id="rId24"/>
+  </p:notesMasterIdLst>
   <p:sldIdLst>
     <p:sldId id="256" r:id="rId2"/>
+    <p:sldId id="257" r:id="rId3"/>
+    <p:sldId id="258" r:id="rId4"/>
+    <p:sldId id="259" r:id="rId5"/>
+    <p:sldId id="260" r:id="rId6"/>
+    <p:sldId id="261" r:id="rId7"/>
+    <p:sldId id="262" r:id="rId8"/>
+    <p:sldId id="265" r:id="rId9"/>
+    <p:sldId id="263" r:id="rId10"/>
+    <p:sldId id="264" r:id="rId11"/>
+    <p:sldId id="267" r:id="rId12"/>
+    <p:sldId id="266" r:id="rId13"/>
+    <p:sldId id="268" r:id="rId14"/>
+    <p:sldId id="269" r:id="rId15"/>
+    <p:sldId id="270" r:id="rId16"/>
+    <p:sldId id="843" r:id="rId17"/>
+    <p:sldId id="849" r:id="rId18"/>
+    <p:sldId id="844" r:id="rId19"/>
+    <p:sldId id="848" r:id="rId20"/>
+    <p:sldId id="846" r:id="rId21"/>
+    <p:sldId id="847" r:id="rId22"/>
+    <p:sldId id="271" r:id="rId23"/>
   </p:sldIdLst>
   <p:sldSz cx="12192000" cy="6858000"/>
   <p:notesSz cx="6858000" cy="9144000"/>
@@ -105,11 +129,635 @@
     </a:lvl9pPr>
   </p:defaultTextStyle>
   <p:extLst>
+    <p:ext uri="{521415D9-36F7-43E2-AB2F-B90AF26B5E84}">
+      <p14:sectionLst xmlns:p14="http://schemas.microsoft.com/office/powerpoint/2010/main">
+        <p14:section name="Default Section" id="{2179C225-147F-407C-804A-E63F34B36B57}">
+          <p14:sldIdLst>
+            <p14:sldId id="256"/>
+            <p14:sldId id="257"/>
+          </p14:sldIdLst>
+        </p14:section>
+        <p14:section name="Minio" id="{D21AFCCA-D36A-44F3-9F02-EDEEC5B741E0}">
+          <p14:sldIdLst>
+            <p14:sldId id="258"/>
+            <p14:sldId id="259"/>
+            <p14:sldId id="260"/>
+            <p14:sldId id="261"/>
+            <p14:sldId id="262"/>
+            <p14:sldId id="265"/>
+            <p14:sldId id="263"/>
+            <p14:sldId id="264"/>
+            <p14:sldId id="267"/>
+            <p14:sldId id="266"/>
+            <p14:sldId id="268"/>
+            <p14:sldId id="269"/>
+            <p14:sldId id="270"/>
+            <p14:sldId id="843"/>
+            <p14:sldId id="849"/>
+            <p14:sldId id="844"/>
+            <p14:sldId id="848"/>
+            <p14:sldId id="846"/>
+            <p14:sldId id="847"/>
+            <p14:sldId id="271"/>
+          </p14:sldIdLst>
+        </p14:section>
+      </p14:sectionLst>
+    </p:ext>
     <p:ext uri="{EFAFB233-063F-42B5-8137-9DF3F51BA10A}">
       <p15:sldGuideLst xmlns:p15="http://schemas.microsoft.com/office/powerpoint/2012/main"/>
     </p:ext>
   </p:extLst>
 </p:presentation>
+</file>
+
+<file path=ppt/notesMasters/notesMaster1.xml><?xml version="1.0" encoding="utf-8"?>
+<p:notesMaster xmlns:a="http://schemas.openxmlformats.org/drawingml/2006/main" xmlns:r="http://schemas.openxmlformats.org/officeDocument/2006/relationships" xmlns:p="http://schemas.openxmlformats.org/presentationml/2006/main">
+  <p:cSld>
+    <p:bg>
+      <p:bgRef idx="1001">
+        <a:schemeClr val="bg1"/>
+      </p:bgRef>
+    </p:bg>
+    <p:spTree>
+      <p:nvGrpSpPr>
+        <p:cNvPr id="1" name=""/>
+        <p:cNvGrpSpPr/>
+        <p:nvPr/>
+      </p:nvGrpSpPr>
+      <p:grpSpPr>
+        <a:xfrm>
+          <a:off x="0" y="0"/>
+          <a:ext cx="0" cy="0"/>
+          <a:chOff x="0" y="0"/>
+          <a:chExt cx="0" cy="0"/>
+        </a:xfrm>
+      </p:grpSpPr>
+      <p:sp>
+        <p:nvSpPr>
+          <p:cNvPr id="2" name="Header Placeholder 1"/>
+          <p:cNvSpPr>
+            <a:spLocks noGrp="1"/>
+          </p:cNvSpPr>
+          <p:nvPr>
+            <p:ph type="hdr" sz="quarter"/>
+          </p:nvPr>
+        </p:nvSpPr>
+        <p:spPr>
+          <a:xfrm>
+            <a:off x="0" y="0"/>
+            <a:ext cx="2971800" cy="458788"/>
+          </a:xfrm>
+          <a:prstGeom prst="rect">
+            <a:avLst/>
+          </a:prstGeom>
+        </p:spPr>
+        <p:txBody>
+          <a:bodyPr vert="horz" lIns="91440" tIns="45720" rIns="91440" bIns="45720" rtlCol="0"/>
+          <a:lstStyle>
+            <a:lvl1pPr algn="l">
+              <a:defRPr sz="1200"/>
+            </a:lvl1pPr>
+          </a:lstStyle>
+          <a:p>
+            <a:endParaRPr lang="en-US"/>
+          </a:p>
+        </p:txBody>
+      </p:sp>
+      <p:sp>
+        <p:nvSpPr>
+          <p:cNvPr id="3" name="Date Placeholder 2"/>
+          <p:cNvSpPr>
+            <a:spLocks noGrp="1"/>
+          </p:cNvSpPr>
+          <p:nvPr>
+            <p:ph type="dt" idx="1"/>
+          </p:nvPr>
+        </p:nvSpPr>
+        <p:spPr>
+          <a:xfrm>
+            <a:off x="3884613" y="0"/>
+            <a:ext cx="2971800" cy="458788"/>
+          </a:xfrm>
+          <a:prstGeom prst="rect">
+            <a:avLst/>
+          </a:prstGeom>
+        </p:spPr>
+        <p:txBody>
+          <a:bodyPr vert="horz" lIns="91440" tIns="45720" rIns="91440" bIns="45720" rtlCol="0"/>
+          <a:lstStyle>
+            <a:lvl1pPr algn="r">
+              <a:defRPr sz="1200"/>
+            </a:lvl1pPr>
+          </a:lstStyle>
+          <a:p>
+            <a:fld id="{7431BCA4-1900-4BDF-853C-1064A083EECB}" type="datetimeFigureOut">
+              <a:rPr lang="en-US" smtClean="0"/>
+              <a:t>9/16/2021</a:t>
+            </a:fld>
+            <a:endParaRPr lang="en-US"/>
+          </a:p>
+        </p:txBody>
+      </p:sp>
+      <p:sp>
+        <p:nvSpPr>
+          <p:cNvPr id="4" name="Slide Image Placeholder 3"/>
+          <p:cNvSpPr>
+            <a:spLocks noGrp="1" noRot="1" noChangeAspect="1"/>
+          </p:cNvSpPr>
+          <p:nvPr>
+            <p:ph type="sldImg" idx="2"/>
+          </p:nvPr>
+        </p:nvSpPr>
+        <p:spPr>
+          <a:xfrm>
+            <a:off x="685800" y="1143000"/>
+            <a:ext cx="5486400" cy="3086100"/>
+          </a:xfrm>
+          <a:prstGeom prst="rect">
+            <a:avLst/>
+          </a:prstGeom>
+          <a:noFill/>
+          <a:ln w="12700">
+            <a:solidFill>
+              <a:prstClr val="black"/>
+            </a:solidFill>
+          </a:ln>
+        </p:spPr>
+        <p:txBody>
+          <a:bodyPr vert="horz" lIns="91440" tIns="45720" rIns="91440" bIns="45720" rtlCol="0" anchor="ctr"/>
+          <a:lstStyle/>
+          <a:p>
+            <a:endParaRPr lang="en-US"/>
+          </a:p>
+        </p:txBody>
+      </p:sp>
+      <p:sp>
+        <p:nvSpPr>
+          <p:cNvPr id="5" name="Notes Placeholder 4"/>
+          <p:cNvSpPr>
+            <a:spLocks noGrp="1"/>
+          </p:cNvSpPr>
+          <p:nvPr>
+            <p:ph type="body" sz="quarter" idx="3"/>
+          </p:nvPr>
+        </p:nvSpPr>
+        <p:spPr>
+          <a:xfrm>
+            <a:off x="685800" y="4400550"/>
+            <a:ext cx="5486400" cy="3600450"/>
+          </a:xfrm>
+          <a:prstGeom prst="rect">
+            <a:avLst/>
+          </a:prstGeom>
+        </p:spPr>
+        <p:txBody>
+          <a:bodyPr vert="horz" lIns="91440" tIns="45720" rIns="91440" bIns="45720" rtlCol="0"/>
+          <a:lstStyle/>
+          <a:p>
+            <a:pPr lvl="0"/>
+            <a:r>
+              <a:rPr lang="en-US"/>
+              <a:t>Click to edit Master text styles</a:t>
+            </a:r>
+          </a:p>
+          <a:p>
+            <a:pPr lvl="1"/>
+            <a:r>
+              <a:rPr lang="en-US"/>
+              <a:t>Second level</a:t>
+            </a:r>
+          </a:p>
+          <a:p>
+            <a:pPr lvl="2"/>
+            <a:r>
+              <a:rPr lang="en-US"/>
+              <a:t>Third level</a:t>
+            </a:r>
+          </a:p>
+          <a:p>
+            <a:pPr lvl="3"/>
+            <a:r>
+              <a:rPr lang="en-US"/>
+              <a:t>Fourth level</a:t>
+            </a:r>
+          </a:p>
+          <a:p>
+            <a:pPr lvl="4"/>
+            <a:r>
+              <a:rPr lang="en-US"/>
+              <a:t>Fifth level</a:t>
+            </a:r>
+          </a:p>
+        </p:txBody>
+      </p:sp>
+      <p:sp>
+        <p:nvSpPr>
+          <p:cNvPr id="6" name="Footer Placeholder 5"/>
+          <p:cNvSpPr>
+            <a:spLocks noGrp="1"/>
+          </p:cNvSpPr>
+          <p:nvPr>
+            <p:ph type="ftr" sz="quarter" idx="4"/>
+          </p:nvPr>
+        </p:nvSpPr>
+        <p:spPr>
+          <a:xfrm>
+            <a:off x="0" y="8685213"/>
+            <a:ext cx="2971800" cy="458787"/>
+          </a:xfrm>
+          <a:prstGeom prst="rect">
+            <a:avLst/>
+          </a:prstGeom>
+        </p:spPr>
+        <p:txBody>
+          <a:bodyPr vert="horz" lIns="91440" tIns="45720" rIns="91440" bIns="45720" rtlCol="0" anchor="b"/>
+          <a:lstStyle>
+            <a:lvl1pPr algn="l">
+              <a:defRPr sz="1200"/>
+            </a:lvl1pPr>
+          </a:lstStyle>
+          <a:p>
+            <a:endParaRPr lang="en-US"/>
+          </a:p>
+        </p:txBody>
+      </p:sp>
+      <p:sp>
+        <p:nvSpPr>
+          <p:cNvPr id="7" name="Slide Number Placeholder 6"/>
+          <p:cNvSpPr>
+            <a:spLocks noGrp="1"/>
+          </p:cNvSpPr>
+          <p:nvPr>
+            <p:ph type="sldNum" sz="quarter" idx="5"/>
+          </p:nvPr>
+        </p:nvSpPr>
+        <p:spPr>
+          <a:xfrm>
+            <a:off x="3884613" y="8685213"/>
+            <a:ext cx="2971800" cy="458787"/>
+          </a:xfrm>
+          <a:prstGeom prst="rect">
+            <a:avLst/>
+          </a:prstGeom>
+        </p:spPr>
+        <p:txBody>
+          <a:bodyPr vert="horz" lIns="91440" tIns="45720" rIns="91440" bIns="45720" rtlCol="0" anchor="b"/>
+          <a:lstStyle>
+            <a:lvl1pPr algn="r">
+              <a:defRPr sz="1200"/>
+            </a:lvl1pPr>
+          </a:lstStyle>
+          <a:p>
+            <a:fld id="{0851B93E-D36F-4744-8516-18D221D3957C}" type="slidenum">
+              <a:rPr lang="en-US" smtClean="0"/>
+              <a:t>‹#›</a:t>
+            </a:fld>
+            <a:endParaRPr lang="en-US"/>
+          </a:p>
+        </p:txBody>
+      </p:sp>
+    </p:spTree>
+    <p:extLst>
+      <p:ext uri="{BB962C8B-B14F-4D97-AF65-F5344CB8AC3E}">
+        <p14:creationId xmlns:p14="http://schemas.microsoft.com/office/powerpoint/2010/main" val="964600870"/>
+      </p:ext>
+    </p:extLst>
+  </p:cSld>
+  <p:clrMap bg1="lt1" tx1="dk1" bg2="lt2" tx2="dk2" accent1="accent1" accent2="accent2" accent3="accent3" accent4="accent4" accent5="accent5" accent6="accent6" hlink="hlink" folHlink="folHlink"/>
+  <p:notesStyle>
+    <a:lvl1pPr marL="0" algn="l" defTabSz="914400" rtl="0" eaLnBrk="1" latinLnBrk="0" hangingPunct="1">
+      <a:defRPr sz="1200" kern="1200">
+        <a:solidFill>
+          <a:schemeClr val="tx1"/>
+        </a:solidFill>
+        <a:latin typeface="+mn-lt"/>
+        <a:ea typeface="+mn-ea"/>
+        <a:cs typeface="+mn-cs"/>
+      </a:defRPr>
+    </a:lvl1pPr>
+    <a:lvl2pPr marL="457200" algn="l" defTabSz="914400" rtl="0" eaLnBrk="1" latinLnBrk="0" hangingPunct="1">
+      <a:defRPr sz="1200" kern="1200">
+        <a:solidFill>
+          <a:schemeClr val="tx1"/>
+        </a:solidFill>
+        <a:latin typeface="+mn-lt"/>
+        <a:ea typeface="+mn-ea"/>
+        <a:cs typeface="+mn-cs"/>
+      </a:defRPr>
+    </a:lvl2pPr>
+    <a:lvl3pPr marL="914400" algn="l" defTabSz="914400" rtl="0" eaLnBrk="1" latinLnBrk="0" hangingPunct="1">
+      <a:defRPr sz="1200" kern="1200">
+        <a:solidFill>
+          <a:schemeClr val="tx1"/>
+        </a:solidFill>
+        <a:latin typeface="+mn-lt"/>
+        <a:ea typeface="+mn-ea"/>
+        <a:cs typeface="+mn-cs"/>
+      </a:defRPr>
+    </a:lvl3pPr>
+    <a:lvl4pPr marL="1371600" algn="l" defTabSz="914400" rtl="0" eaLnBrk="1" latinLnBrk="0" hangingPunct="1">
+      <a:defRPr sz="1200" kern="1200">
+        <a:solidFill>
+          <a:schemeClr val="tx1"/>
+        </a:solidFill>
+        <a:latin typeface="+mn-lt"/>
+        <a:ea typeface="+mn-ea"/>
+        <a:cs typeface="+mn-cs"/>
+      </a:defRPr>
+    </a:lvl4pPr>
+    <a:lvl5pPr marL="1828800" algn="l" defTabSz="914400" rtl="0" eaLnBrk="1" latinLnBrk="0" hangingPunct="1">
+      <a:defRPr sz="1200" kern="1200">
+        <a:solidFill>
+          <a:schemeClr val="tx1"/>
+        </a:solidFill>
+        <a:latin typeface="+mn-lt"/>
+        <a:ea typeface="+mn-ea"/>
+        <a:cs typeface="+mn-cs"/>
+      </a:defRPr>
+    </a:lvl5pPr>
+    <a:lvl6pPr marL="2286000" algn="l" defTabSz="914400" rtl="0" eaLnBrk="1" latinLnBrk="0" hangingPunct="1">
+      <a:defRPr sz="1200" kern="1200">
+        <a:solidFill>
+          <a:schemeClr val="tx1"/>
+        </a:solidFill>
+        <a:latin typeface="+mn-lt"/>
+        <a:ea typeface="+mn-ea"/>
+        <a:cs typeface="+mn-cs"/>
+      </a:defRPr>
+    </a:lvl6pPr>
+    <a:lvl7pPr marL="2743200" algn="l" defTabSz="914400" rtl="0" eaLnBrk="1" latinLnBrk="0" hangingPunct="1">
+      <a:defRPr sz="1200" kern="1200">
+        <a:solidFill>
+          <a:schemeClr val="tx1"/>
+        </a:solidFill>
+        <a:latin typeface="+mn-lt"/>
+        <a:ea typeface="+mn-ea"/>
+        <a:cs typeface="+mn-cs"/>
+      </a:defRPr>
+    </a:lvl7pPr>
+    <a:lvl8pPr marL="3200400" algn="l" defTabSz="914400" rtl="0" eaLnBrk="1" latinLnBrk="0" hangingPunct="1">
+      <a:defRPr sz="1200" kern="1200">
+        <a:solidFill>
+          <a:schemeClr val="tx1"/>
+        </a:solidFill>
+        <a:latin typeface="+mn-lt"/>
+        <a:ea typeface="+mn-ea"/>
+        <a:cs typeface="+mn-cs"/>
+      </a:defRPr>
+    </a:lvl8pPr>
+    <a:lvl9pPr marL="3657600" algn="l" defTabSz="914400" rtl="0" eaLnBrk="1" latinLnBrk="0" hangingPunct="1">
+      <a:defRPr sz="1200" kern="1200">
+        <a:solidFill>
+          <a:schemeClr val="tx1"/>
+        </a:solidFill>
+        <a:latin typeface="+mn-lt"/>
+        <a:ea typeface="+mn-ea"/>
+        <a:cs typeface="+mn-cs"/>
+      </a:defRPr>
+    </a:lvl9pPr>
+  </p:notesStyle>
+</p:notesMaster>
+</file>
+
+<file path=ppt/notesSlides/notesSlide1.xml><?xml version="1.0" encoding="utf-8"?>
+<p:notes xmlns:a="http://schemas.openxmlformats.org/drawingml/2006/main" xmlns:r="http://schemas.openxmlformats.org/officeDocument/2006/relationships" xmlns:p="http://schemas.openxmlformats.org/presentationml/2006/main">
+  <p:cSld>
+    <p:spTree>
+      <p:nvGrpSpPr>
+        <p:cNvPr id="1" name=""/>
+        <p:cNvGrpSpPr/>
+        <p:nvPr/>
+      </p:nvGrpSpPr>
+      <p:grpSpPr>
+        <a:xfrm>
+          <a:off x="0" y="0"/>
+          <a:ext cx="0" cy="0"/>
+          <a:chOff x="0" y="0"/>
+          <a:chExt cx="0" cy="0"/>
+        </a:xfrm>
+      </p:grpSpPr>
+      <p:sp>
+        <p:nvSpPr>
+          <p:cNvPr id="2" name="Slide Image Placeholder 1"/>
+          <p:cNvSpPr>
+            <a:spLocks noGrp="1" noRot="1" noChangeAspect="1"/>
+          </p:cNvSpPr>
+          <p:nvPr>
+            <p:ph type="sldImg"/>
+          </p:nvPr>
+        </p:nvSpPr>
+        <p:spPr/>
+      </p:sp>
+      <p:sp>
+        <p:nvSpPr>
+          <p:cNvPr id="3" name="Notes Placeholder 2"/>
+          <p:cNvSpPr>
+            <a:spLocks noGrp="1"/>
+          </p:cNvSpPr>
+          <p:nvPr>
+            <p:ph type="body" idx="1"/>
+          </p:nvPr>
+        </p:nvSpPr>
+        <p:spPr/>
+        <p:txBody>
+          <a:bodyPr/>
+          <a:lstStyle/>
+          <a:p>
+            <a:pPr marL="0" marR="0" indent="0" algn="l" defTabSz="457200" rtl="0" eaLnBrk="1" fontAlgn="auto" latinLnBrk="0" hangingPunct="1">
+              <a:lnSpc>
+                <a:spcPct val="100000"/>
+              </a:lnSpc>
+              <a:spcBef>
+                <a:spcPts val="0"/>
+              </a:spcBef>
+              <a:spcAft>
+                <a:spcPts val="0"/>
+              </a:spcAft>
+              <a:buClrTx/>
+              <a:buSzTx/>
+              <a:buFontTx/>
+              <a:buNone/>
+              <a:tabLst/>
+              <a:defRPr/>
+            </a:pPr>
+            <a:r>
+              <a:rPr lang="en-US" sz="1200" b="0" kern="1200" dirty="0">
+                <a:solidFill>
+                  <a:schemeClr val="tx1"/>
+                </a:solidFill>
+                <a:effectLst/>
+                <a:latin typeface="+mn-lt"/>
+                <a:ea typeface="+mn-ea"/>
+                <a:cs typeface="+mn-cs"/>
+              </a:rPr>
+              <a:t>Since Spark was developed at UC Berkeley it can run without a Hadoop cluster or so called standalone mode. However when integrated with YARN as in HDP, there are two modes to choose. In local mode the spark code runs on the client machine (aka utility server/edge node/gateway server). In cluster mode, spark code is managed inside an application manager. The next several slides will detail these architectures.</a:t>
+            </a:r>
+          </a:p>
+          <a:p>
+            <a:endParaRPr lang="en-US" dirty="0"/>
+          </a:p>
+          <a:p>
+            <a:endParaRPr lang="en-IN" dirty="0"/>
+          </a:p>
+        </p:txBody>
+      </p:sp>
+      <p:sp>
+        <p:nvSpPr>
+          <p:cNvPr id="4" name="Slide Number Placeholder 3"/>
+          <p:cNvSpPr>
+            <a:spLocks noGrp="1"/>
+          </p:cNvSpPr>
+          <p:nvPr>
+            <p:ph type="sldNum" sz="quarter" idx="10"/>
+          </p:nvPr>
+        </p:nvSpPr>
+        <p:spPr/>
+        <p:txBody>
+          <a:bodyPr/>
+          <a:lstStyle/>
+          <a:p>
+            <a:fld id="{E564724E-7CB4-4288-908A-97852378BB2E}" type="slidenum">
+              <a:rPr lang="en-US" smtClean="0"/>
+              <a:t>20</a:t>
+            </a:fld>
+            <a:endParaRPr lang="en-US" dirty="0"/>
+          </a:p>
+        </p:txBody>
+      </p:sp>
+    </p:spTree>
+    <p:extLst>
+      <p:ext uri="{BB962C8B-B14F-4D97-AF65-F5344CB8AC3E}">
+        <p14:creationId xmlns:p14="http://schemas.microsoft.com/office/powerpoint/2010/main" val="1560311599"/>
+      </p:ext>
+    </p:extLst>
+  </p:cSld>
+  <p:clrMapOvr>
+    <a:masterClrMapping/>
+  </p:clrMapOvr>
+</p:notes>
+</file>
+
+<file path=ppt/notesSlides/notesSlide2.xml><?xml version="1.0" encoding="utf-8"?>
+<p:notes xmlns:a="http://schemas.openxmlformats.org/drawingml/2006/main" xmlns:r="http://schemas.openxmlformats.org/officeDocument/2006/relationships" xmlns:p="http://schemas.openxmlformats.org/presentationml/2006/main">
+  <p:cSld>
+    <p:spTree>
+      <p:nvGrpSpPr>
+        <p:cNvPr id="1" name=""/>
+        <p:cNvGrpSpPr/>
+        <p:nvPr/>
+      </p:nvGrpSpPr>
+      <p:grpSpPr>
+        <a:xfrm>
+          <a:off x="0" y="0"/>
+          <a:ext cx="0" cy="0"/>
+          <a:chOff x="0" y="0"/>
+          <a:chExt cx="0" cy="0"/>
+        </a:xfrm>
+      </p:grpSpPr>
+      <p:sp>
+        <p:nvSpPr>
+          <p:cNvPr id="2" name="Slide Image Placeholder 1"/>
+          <p:cNvSpPr>
+            <a:spLocks noGrp="1" noRot="1" noChangeAspect="1"/>
+          </p:cNvSpPr>
+          <p:nvPr>
+            <p:ph type="sldImg"/>
+          </p:nvPr>
+        </p:nvSpPr>
+        <p:spPr/>
+      </p:sp>
+      <p:sp>
+        <p:nvSpPr>
+          <p:cNvPr id="3" name="Notes Placeholder 2"/>
+          <p:cNvSpPr>
+            <a:spLocks noGrp="1"/>
+          </p:cNvSpPr>
+          <p:nvPr>
+            <p:ph type="body" idx="1"/>
+          </p:nvPr>
+        </p:nvSpPr>
+        <p:spPr/>
+        <p:txBody>
+          <a:bodyPr/>
+          <a:lstStyle/>
+          <a:p>
+            <a:pPr marL="0" marR="0" indent="0" algn="l" defTabSz="457200" rtl="0" eaLnBrk="1" fontAlgn="auto" latinLnBrk="0" hangingPunct="1">
+              <a:lnSpc>
+                <a:spcPct val="100000"/>
+              </a:lnSpc>
+              <a:spcBef>
+                <a:spcPts val="0"/>
+              </a:spcBef>
+              <a:spcAft>
+                <a:spcPts val="0"/>
+              </a:spcAft>
+              <a:buClrTx/>
+              <a:buSzTx/>
+              <a:buFontTx/>
+              <a:buNone/>
+              <a:tabLst/>
+              <a:defRPr/>
+            </a:pPr>
+            <a:r>
+              <a:rPr lang="en-US" dirty="0"/>
+              <a:t>Spark</a:t>
+            </a:r>
+            <a:r>
+              <a:rPr lang="en-US" baseline="0" dirty="0"/>
+              <a:t> is faster than MapReduce for several reasons. First, and the biggest, is Spark can cache data into memory. Reading from memory is measured in nanoseconds, reading from disk is measured in milliseconds. Quite the increase in speed is seen from there. In addition, the scheduling of tasks in Spark has greatly decreased from </a:t>
+            </a:r>
+            <a:r>
+              <a:rPr lang="en-US" baseline="0" dirty="0" err="1"/>
+              <a:t>MapReduce</a:t>
+            </a:r>
+            <a:r>
+              <a:rPr lang="en-US" baseline="0" dirty="0"/>
+              <a:t>. Spark has dedicated resources, so scheduling of tasks doesn’t require a resource request. Because of this, scheduling has gone from 15-20s to 15-20ms. In spark, you can have multiple reduces and maps in a row. You do not need a map phase for every reduce phase. Skipping this extra map save reading and writing data to disk. </a:t>
+            </a:r>
+            <a:endParaRPr lang="en-US" dirty="0"/>
+          </a:p>
+          <a:p>
+            <a:endParaRPr lang="en-US" dirty="0"/>
+          </a:p>
+          <a:p>
+            <a:endParaRPr lang="en-IN" dirty="0"/>
+          </a:p>
+        </p:txBody>
+      </p:sp>
+      <p:sp>
+        <p:nvSpPr>
+          <p:cNvPr id="4" name="Slide Number Placeholder 3"/>
+          <p:cNvSpPr>
+            <a:spLocks noGrp="1"/>
+          </p:cNvSpPr>
+          <p:nvPr>
+            <p:ph type="sldNum" sz="quarter" idx="10"/>
+          </p:nvPr>
+        </p:nvSpPr>
+        <p:spPr/>
+        <p:txBody>
+          <a:bodyPr/>
+          <a:lstStyle/>
+          <a:p>
+            <a:fld id="{E564724E-7CB4-4288-908A-97852378BB2E}" type="slidenum">
+              <a:rPr lang="en-US" smtClean="0"/>
+              <a:t>21</a:t>
+            </a:fld>
+            <a:endParaRPr lang="en-US" dirty="0"/>
+          </a:p>
+        </p:txBody>
+      </p:sp>
+    </p:spTree>
+    <p:extLst>
+      <p:ext uri="{BB962C8B-B14F-4D97-AF65-F5344CB8AC3E}">
+        <p14:creationId xmlns:p14="http://schemas.microsoft.com/office/powerpoint/2010/main" val="1388981250"/>
+      </p:ext>
+    </p:extLst>
+  </p:cSld>
+  <p:clrMapOvr>
+    <a:masterClrMapping/>
+  </p:clrMapOvr>
+</p:notes>
 </file>
 
 <file path=ppt/slideLayouts/slideLayout1.xml><?xml version="1.0" encoding="utf-8"?>
@@ -152,7 +800,7 @@
           <a:p>
             <a:fld id="{D8FC982F-3C14-465F-B483-5A8711A994AE}" type="datetimeFigureOut">
               <a:rPr lang="en-US" smtClean="0"/>
-              <a:t>9/15/2021</a:t>
+              <a:t>9/16/2021</a:t>
             </a:fld>
             <a:endParaRPr lang="en-US" dirty="0"/>
           </a:p>
@@ -938,7 +1586,7 @@
           <a:p>
             <a:fld id="{D8FC982F-3C14-465F-B483-5A8711A994AE}" type="datetimeFigureOut">
               <a:rPr lang="en-US" smtClean="0"/>
-              <a:t>9/15/2021</a:t>
+              <a:t>9/16/2021</a:t>
             </a:fld>
             <a:endParaRPr lang="en-US"/>
           </a:p>
@@ -1085,7 +1733,7 @@
           <a:p>
             <a:fld id="{D8FC982F-3C14-465F-B483-5A8711A994AE}" type="datetimeFigureOut">
               <a:rPr lang="en-US" smtClean="0"/>
-              <a:t>9/15/2021</a:t>
+              <a:t>9/16/2021</a:t>
             </a:fld>
             <a:endParaRPr lang="en-US"/>
           </a:p>
@@ -1350,7 +1998,7 @@
           <a:p>
             <a:fld id="{D8FC982F-3C14-465F-B483-5A8711A994AE}" type="datetimeFigureOut">
               <a:rPr lang="en-US" smtClean="0"/>
-              <a:t>9/15/2021</a:t>
+              <a:t>9/16/2021</a:t>
             </a:fld>
             <a:endParaRPr lang="en-US"/>
           </a:p>
@@ -1661,7 +2309,7 @@
           <a:p>
             <a:fld id="{D8FC982F-3C14-465F-B483-5A8711A994AE}" type="datetimeFigureOut">
               <a:rPr lang="en-US" smtClean="0"/>
-              <a:t>9/15/2021</a:t>
+              <a:t>9/16/2021</a:t>
             </a:fld>
             <a:endParaRPr lang="en-US"/>
           </a:p>
@@ -1956,7 +2604,7 @@
           <a:p>
             <a:fld id="{D8FC982F-3C14-465F-B483-5A8711A994AE}" type="datetimeFigureOut">
               <a:rPr lang="en-US" smtClean="0"/>
-              <a:t>9/15/2021</a:t>
+              <a:t>9/16/2021</a:t>
             </a:fld>
             <a:endParaRPr lang="en-US"/>
           </a:p>
@@ -2384,7 +3032,7 @@
           <a:p>
             <a:fld id="{D8FC982F-3C14-465F-B483-5A8711A994AE}" type="datetimeFigureOut">
               <a:rPr lang="en-US" smtClean="0"/>
-              <a:t>9/15/2021</a:t>
+              <a:t>9/16/2021</a:t>
             </a:fld>
             <a:endParaRPr lang="en-US"/>
           </a:p>
@@ -2812,7 +3460,7 @@
           <a:p>
             <a:fld id="{D8FC982F-3C14-465F-B483-5A8711A994AE}" type="datetimeFigureOut">
               <a:rPr lang="en-US" smtClean="0"/>
-              <a:t>9/15/2021</a:t>
+              <a:t>9/16/2021</a:t>
             </a:fld>
             <a:endParaRPr lang="en-US"/>
           </a:p>
@@ -3294,7 +3942,7 @@
           <a:p>
             <a:fld id="{D8FC982F-3C14-465F-B483-5A8711A994AE}" type="datetimeFigureOut">
               <a:rPr lang="en-US" smtClean="0"/>
-              <a:t>9/15/2021</a:t>
+              <a:t>9/16/2021</a:t>
             </a:fld>
             <a:endParaRPr lang="en-US"/>
           </a:p>
@@ -3407,7 +4055,7 @@
           <a:p>
             <a:fld id="{D8FC982F-3C14-465F-B483-5A8711A994AE}" type="datetimeFigureOut">
               <a:rPr lang="en-US" smtClean="0"/>
-              <a:t>9/15/2021</a:t>
+              <a:t>9/16/2021</a:t>
             </a:fld>
             <a:endParaRPr lang="en-US"/>
           </a:p>
@@ -3721,7 +4369,7 @@
           <a:p>
             <a:fld id="{D8FC982F-3C14-465F-B483-5A8711A994AE}" type="datetimeFigureOut">
               <a:rPr lang="en-US" smtClean="0"/>
-              <a:t>9/15/2021</a:t>
+              <a:t>9/16/2021</a:t>
             </a:fld>
             <a:endParaRPr lang="en-US"/>
           </a:p>
@@ -3834,7 +4482,7 @@
           <a:p>
             <a:fld id="{D8FC982F-3C14-465F-B483-5A8711A994AE}" type="datetimeFigureOut">
               <a:rPr lang="en-US" smtClean="0"/>
-              <a:t>9/15/2021</a:t>
+              <a:t>9/16/2021</a:t>
             </a:fld>
             <a:endParaRPr lang="en-US"/>
           </a:p>
@@ -4740,7 +5388,7 @@
           <a:p>
             <a:fld id="{D8FC982F-3C14-465F-B483-5A8711A994AE}" type="datetimeFigureOut">
               <a:rPr lang="en-US" smtClean="0"/>
-              <a:t>9/15/2021</a:t>
+              <a:t>9/16/2021</a:t>
             </a:fld>
             <a:endParaRPr lang="en-US"/>
           </a:p>
@@ -4853,7 +5501,7 @@
           <a:p>
             <a:fld id="{D8FC982F-3C14-465F-B483-5A8711A994AE}" type="datetimeFigureOut">
               <a:rPr lang="en-US" smtClean="0"/>
-              <a:t>9/15/2021</a:t>
+              <a:t>9/16/2021</a:t>
             </a:fld>
             <a:endParaRPr lang="en-US"/>
           </a:p>
@@ -6674,7 +7322,7 @@
           <a:p>
             <a:fld id="{D8FC982F-3C14-465F-B483-5A8711A994AE}" type="datetimeFigureOut">
               <a:rPr lang="en-US" smtClean="0"/>
-              <a:t>9/15/2021</a:t>
+              <a:t>9/16/2021</a:t>
             </a:fld>
             <a:endParaRPr lang="en-US"/>
           </a:p>
@@ -6882,7 +7530,7 @@
           <a:p>
             <a:fld id="{D8FC982F-3C14-465F-B483-5A8711A994AE}" type="datetimeFigureOut">
               <a:rPr lang="en-US" smtClean="0"/>
-              <a:t>9/15/2021</a:t>
+              <a:t>9/16/2021</a:t>
             </a:fld>
             <a:endParaRPr lang="en-US"/>
           </a:p>
@@ -7162,7 +7810,7 @@
           <a:p>
             <a:fld id="{D8FC982F-3C14-465F-B483-5A8711A994AE}" type="datetimeFigureOut">
               <a:rPr lang="en-US" smtClean="0"/>
-              <a:t>9/15/2021</a:t>
+              <a:t>9/16/2021</a:t>
             </a:fld>
             <a:endParaRPr lang="en-US"/>
           </a:p>
@@ -8095,7 +8743,7 @@
           <a:p>
             <a:fld id="{D8FC982F-3C14-465F-B483-5A8711A994AE}" type="datetimeFigureOut">
               <a:rPr lang="en-US" smtClean="0"/>
-              <a:t>9/15/2021</a:t>
+              <a:t>9/16/2021</a:t>
             </a:fld>
             <a:endParaRPr lang="en-US" dirty="0"/>
           </a:p>
@@ -9310,7 +9958,7 @@
           <a:p>
             <a:fld id="{D8FC982F-3C14-465F-B483-5A8711A994AE}" type="datetimeFigureOut">
               <a:rPr lang="en-US" smtClean="0"/>
-              <a:t>9/15/2021</a:t>
+              <a:t>9/16/2021</a:t>
             </a:fld>
             <a:endParaRPr lang="en-US"/>
           </a:p>
@@ -9687,7 +10335,7 @@
           <a:p>
             <a:fld id="{D8FC982F-3C14-465F-B483-5A8711A994AE}" type="datetimeFigureOut">
               <a:rPr lang="en-US" smtClean="0"/>
-              <a:t>9/15/2021</a:t>
+              <a:t>9/16/2021</a:t>
             </a:fld>
             <a:endParaRPr lang="en-US"/>
           </a:p>
@@ -10253,7 +10901,7 @@
           <a:p>
             <a:fld id="{D8FC982F-3C14-465F-B483-5A8711A994AE}" type="datetimeFigureOut">
               <a:rPr lang="en-US" smtClean="0"/>
-              <a:t>9/15/2021</a:t>
+              <a:t>9/16/2021</a:t>
             </a:fld>
             <a:endParaRPr lang="en-US"/>
           </a:p>
@@ -10566,7 +11214,7 @@
           <a:p>
             <a:fld id="{D8FC982F-3C14-465F-B483-5A8711A994AE}" type="datetimeFigureOut">
               <a:rPr lang="en-US" smtClean="0"/>
-              <a:t>9/15/2021</a:t>
+              <a:t>9/16/2021</a:t>
             </a:fld>
             <a:endParaRPr lang="en-US"/>
           </a:p>
@@ -10865,7 +11513,7 @@
           <a:p>
             <a:fld id="{D8FC982F-3C14-465F-B483-5A8711A994AE}" type="datetimeFigureOut">
               <a:rPr lang="en-US" smtClean="0"/>
-              <a:t>9/15/2021</a:t>
+              <a:t>9/16/2021</a:t>
             </a:fld>
             <a:endParaRPr lang="en-US"/>
           </a:p>
@@ -11106,7 +11754,7 @@
           <a:p>
             <a:fld id="{D8FC982F-3C14-465F-B483-5A8711A994AE}" type="datetimeFigureOut">
               <a:rPr lang="en-US" smtClean="0"/>
-              <a:t>9/15/2021</a:t>
+              <a:t>9/16/2021</a:t>
             </a:fld>
             <a:endParaRPr lang="en-US"/>
           </a:p>
@@ -11556,7 +12204,19 @@
           <a:bodyPr/>
           <a:lstStyle/>
           <a:p>
-            <a:endParaRPr lang="en-US"/>
+            <a:pPr marL="0" indent="0">
+              <a:buNone/>
+            </a:pPr>
+            <a:r>
+              <a:rPr lang="en-US" dirty="0"/>
+              <a:t>Object Storage and Spark</a:t>
+            </a:r>
+          </a:p>
+          <a:p>
+            <a:pPr marL="0" indent="0">
+              <a:buNone/>
+            </a:pPr>
+            <a:endParaRPr lang="en-US" dirty="0"/>
           </a:p>
         </p:txBody>
       </p:sp>
@@ -11581,7 +12241,10 @@
           <a:bodyPr/>
           <a:lstStyle/>
           <a:p>
-            <a:endParaRPr lang="en-US"/>
+            <a:r>
+              <a:rPr lang="en-US" dirty="0"/>
+              <a:t>IST769 Unit D	</a:t>
+            </a:r>
           </a:p>
         </p:txBody>
       </p:sp>
@@ -11589,6 +12252,3810 @@
     <p:extLst>
       <p:ext uri="{BB962C8B-B14F-4D97-AF65-F5344CB8AC3E}">
         <p14:creationId xmlns:p14="http://schemas.microsoft.com/office/powerpoint/2010/main" val="118323389"/>
+      </p:ext>
+    </p:extLst>
+  </p:cSld>
+  <p:clrMapOvr>
+    <a:masterClrMapping/>
+  </p:clrMapOvr>
+</p:sld>
+</file>
+
+<file path=ppt/slides/slide10.xml><?xml version="1.0" encoding="utf-8"?>
+<p:sld xmlns:a="http://schemas.openxmlformats.org/drawingml/2006/main" xmlns:r="http://schemas.openxmlformats.org/officeDocument/2006/relationships" xmlns:p="http://schemas.openxmlformats.org/presentationml/2006/main">
+  <p:cSld>
+    <p:spTree>
+      <p:nvGrpSpPr>
+        <p:cNvPr id="1" name=""/>
+        <p:cNvGrpSpPr/>
+        <p:nvPr/>
+      </p:nvGrpSpPr>
+      <p:grpSpPr>
+        <a:xfrm>
+          <a:off x="0" y="0"/>
+          <a:ext cx="0" cy="0"/>
+          <a:chOff x="0" y="0"/>
+          <a:chExt cx="0" cy="0"/>
+        </a:xfrm>
+      </p:grpSpPr>
+      <p:sp>
+        <p:nvSpPr>
+          <p:cNvPr id="2" name="Title 1">
+            <a:extLst>
+              <a:ext uri="{FF2B5EF4-FFF2-40B4-BE49-F238E27FC236}">
+                <a16:creationId xmlns:a16="http://schemas.microsoft.com/office/drawing/2014/main" id="{DE4CCA59-99BD-4B9E-B831-04A8CA7380A2}"/>
+              </a:ext>
+            </a:extLst>
+          </p:cNvPr>
+          <p:cNvSpPr>
+            <a:spLocks noGrp="1"/>
+          </p:cNvSpPr>
+          <p:nvPr>
+            <p:ph type="title"/>
+          </p:nvPr>
+        </p:nvSpPr>
+        <p:spPr/>
+        <p:txBody>
+          <a:bodyPr/>
+          <a:lstStyle/>
+          <a:p>
+            <a:r>
+              <a:rPr lang="en-US" dirty="0"/>
+              <a:t>Write After Read Consistency</a:t>
+            </a:r>
+          </a:p>
+        </p:txBody>
+      </p:sp>
+      <p:sp>
+        <p:nvSpPr>
+          <p:cNvPr id="3" name="Content Placeholder 2">
+            <a:extLst>
+              <a:ext uri="{FF2B5EF4-FFF2-40B4-BE49-F238E27FC236}">
+                <a16:creationId xmlns:a16="http://schemas.microsoft.com/office/drawing/2014/main" id="{AAFE0698-D90E-45F7-9AFF-1A4674AAEED0}"/>
+              </a:ext>
+            </a:extLst>
+          </p:cNvPr>
+          <p:cNvSpPr>
+            <a:spLocks noGrp="1"/>
+          </p:cNvSpPr>
+          <p:nvPr>
+            <p:ph idx="1"/>
+          </p:nvPr>
+        </p:nvSpPr>
+        <p:spPr/>
+        <p:txBody>
+          <a:bodyPr/>
+          <a:lstStyle/>
+          <a:p>
+            <a:endParaRPr lang="en-US"/>
+          </a:p>
+        </p:txBody>
+      </p:sp>
+    </p:spTree>
+    <p:extLst>
+      <p:ext uri="{BB962C8B-B14F-4D97-AF65-F5344CB8AC3E}">
+        <p14:creationId xmlns:p14="http://schemas.microsoft.com/office/powerpoint/2010/main" val="3160849821"/>
+      </p:ext>
+    </p:extLst>
+  </p:cSld>
+  <p:clrMapOvr>
+    <a:masterClrMapping/>
+  </p:clrMapOvr>
+</p:sld>
+</file>
+
+<file path=ppt/slides/slide11.xml><?xml version="1.0" encoding="utf-8"?>
+<p:sld xmlns:a="http://schemas.openxmlformats.org/drawingml/2006/main" xmlns:r="http://schemas.openxmlformats.org/officeDocument/2006/relationships" xmlns:p="http://schemas.openxmlformats.org/presentationml/2006/main">
+  <p:cSld>
+    <p:spTree>
+      <p:nvGrpSpPr>
+        <p:cNvPr id="1" name=""/>
+        <p:cNvGrpSpPr/>
+        <p:nvPr/>
+      </p:nvGrpSpPr>
+      <p:grpSpPr>
+        <a:xfrm>
+          <a:off x="0" y="0"/>
+          <a:ext cx="0" cy="0"/>
+          <a:chOff x="0" y="0"/>
+          <a:chExt cx="0" cy="0"/>
+        </a:xfrm>
+      </p:grpSpPr>
+      <p:sp>
+        <p:nvSpPr>
+          <p:cNvPr id="4" name="Title 3">
+            <a:extLst>
+              <a:ext uri="{FF2B5EF4-FFF2-40B4-BE49-F238E27FC236}">
+                <a16:creationId xmlns:a16="http://schemas.microsoft.com/office/drawing/2014/main" id="{AE4D4EF5-4BC1-40D7-841F-8D3F4E612B05}"/>
+              </a:ext>
+            </a:extLst>
+          </p:cNvPr>
+          <p:cNvSpPr>
+            <a:spLocks noGrp="1"/>
+          </p:cNvSpPr>
+          <p:nvPr>
+            <p:ph type="title"/>
+          </p:nvPr>
+        </p:nvSpPr>
+        <p:spPr/>
+        <p:txBody>
+          <a:bodyPr/>
+          <a:lstStyle/>
+          <a:p>
+            <a:r>
+              <a:rPr lang="en-US" dirty="0" err="1"/>
+              <a:t>Minio</a:t>
+            </a:r>
+            <a:r>
+              <a:rPr lang="en-US" dirty="0"/>
+              <a:t> commands</a:t>
+            </a:r>
+          </a:p>
+        </p:txBody>
+      </p:sp>
+      <p:sp>
+        <p:nvSpPr>
+          <p:cNvPr id="5" name="Text Placeholder 4">
+            <a:extLst>
+              <a:ext uri="{FF2B5EF4-FFF2-40B4-BE49-F238E27FC236}">
+                <a16:creationId xmlns:a16="http://schemas.microsoft.com/office/drawing/2014/main" id="{E0AB2A29-E075-4446-AC82-2FB09A2196A6}"/>
+              </a:ext>
+            </a:extLst>
+          </p:cNvPr>
+          <p:cNvSpPr>
+            <a:spLocks noGrp="1"/>
+          </p:cNvSpPr>
+          <p:nvPr>
+            <p:ph type="body" idx="1"/>
+          </p:nvPr>
+        </p:nvSpPr>
+        <p:spPr/>
+        <p:txBody>
+          <a:bodyPr/>
+          <a:lstStyle/>
+          <a:p>
+            <a:endParaRPr lang="en-US"/>
+          </a:p>
+        </p:txBody>
+      </p:sp>
+    </p:spTree>
+    <p:extLst>
+      <p:ext uri="{BB962C8B-B14F-4D97-AF65-F5344CB8AC3E}">
+        <p14:creationId xmlns:p14="http://schemas.microsoft.com/office/powerpoint/2010/main" val="4173807536"/>
+      </p:ext>
+    </p:extLst>
+  </p:cSld>
+  <p:clrMapOvr>
+    <a:masterClrMapping/>
+  </p:clrMapOvr>
+</p:sld>
+</file>
+
+<file path=ppt/slides/slide12.xml><?xml version="1.0" encoding="utf-8"?>
+<p:sld xmlns:a="http://schemas.openxmlformats.org/drawingml/2006/main" xmlns:r="http://schemas.openxmlformats.org/officeDocument/2006/relationships" xmlns:p="http://schemas.openxmlformats.org/presentationml/2006/main">
+  <p:cSld>
+    <p:spTree>
+      <p:nvGrpSpPr>
+        <p:cNvPr id="1" name=""/>
+        <p:cNvGrpSpPr/>
+        <p:nvPr/>
+      </p:nvGrpSpPr>
+      <p:grpSpPr>
+        <a:xfrm>
+          <a:off x="0" y="0"/>
+          <a:ext cx="0" cy="0"/>
+          <a:chOff x="0" y="0"/>
+          <a:chExt cx="0" cy="0"/>
+        </a:xfrm>
+      </p:grpSpPr>
+      <p:sp>
+        <p:nvSpPr>
+          <p:cNvPr id="2" name="Title 1">
+            <a:extLst>
+              <a:ext uri="{FF2B5EF4-FFF2-40B4-BE49-F238E27FC236}">
+                <a16:creationId xmlns:a16="http://schemas.microsoft.com/office/drawing/2014/main" id="{AE6FB0FA-EAA5-4D86-877E-F8AA49E70C0D}"/>
+              </a:ext>
+            </a:extLst>
+          </p:cNvPr>
+          <p:cNvSpPr>
+            <a:spLocks noGrp="1"/>
+          </p:cNvSpPr>
+          <p:nvPr>
+            <p:ph type="title"/>
+          </p:nvPr>
+        </p:nvSpPr>
+        <p:spPr/>
+        <p:txBody>
+          <a:bodyPr/>
+          <a:lstStyle/>
+          <a:p>
+            <a:r>
+              <a:rPr lang="en-US" dirty="0" err="1"/>
+              <a:t>Minio</a:t>
+            </a:r>
+            <a:r>
+              <a:rPr lang="en-US" dirty="0"/>
+              <a:t> Alias Commands</a:t>
+            </a:r>
+          </a:p>
+        </p:txBody>
+      </p:sp>
+      <p:sp>
+        <p:nvSpPr>
+          <p:cNvPr id="3" name="Content Placeholder 2">
+            <a:extLst>
+              <a:ext uri="{FF2B5EF4-FFF2-40B4-BE49-F238E27FC236}">
+                <a16:creationId xmlns:a16="http://schemas.microsoft.com/office/drawing/2014/main" id="{73C741BD-7E5B-43F2-860D-77E43CFE0B0E}"/>
+              </a:ext>
+            </a:extLst>
+          </p:cNvPr>
+          <p:cNvSpPr>
+            <a:spLocks noGrp="1"/>
+          </p:cNvSpPr>
+          <p:nvPr>
+            <p:ph idx="1"/>
+          </p:nvPr>
+        </p:nvSpPr>
+        <p:spPr/>
+        <p:txBody>
+          <a:bodyPr/>
+          <a:lstStyle/>
+          <a:p>
+            <a:r>
+              <a:rPr lang="en-US" dirty="0"/>
+              <a:t>List</a:t>
+            </a:r>
+          </a:p>
+          <a:p>
+            <a:r>
+              <a:rPr lang="en-US" dirty="0"/>
+              <a:t>Set </a:t>
+            </a:r>
+          </a:p>
+          <a:p>
+            <a:r>
+              <a:rPr lang="en-US" dirty="0"/>
+              <a:t>Remove</a:t>
+            </a:r>
+          </a:p>
+          <a:p>
+            <a:endParaRPr lang="en-US" dirty="0"/>
+          </a:p>
+        </p:txBody>
+      </p:sp>
+    </p:spTree>
+    <p:extLst>
+      <p:ext uri="{BB962C8B-B14F-4D97-AF65-F5344CB8AC3E}">
+        <p14:creationId xmlns:p14="http://schemas.microsoft.com/office/powerpoint/2010/main" val="808452060"/>
+      </p:ext>
+    </p:extLst>
+  </p:cSld>
+  <p:clrMapOvr>
+    <a:masterClrMapping/>
+  </p:clrMapOvr>
+</p:sld>
+</file>
+
+<file path=ppt/slides/slide13.xml><?xml version="1.0" encoding="utf-8"?>
+<p:sld xmlns:a="http://schemas.openxmlformats.org/drawingml/2006/main" xmlns:r="http://schemas.openxmlformats.org/officeDocument/2006/relationships" xmlns:p="http://schemas.openxmlformats.org/presentationml/2006/main">
+  <p:cSld>
+    <p:spTree>
+      <p:nvGrpSpPr>
+        <p:cNvPr id="1" name=""/>
+        <p:cNvGrpSpPr/>
+        <p:nvPr/>
+      </p:nvGrpSpPr>
+      <p:grpSpPr>
+        <a:xfrm>
+          <a:off x="0" y="0"/>
+          <a:ext cx="0" cy="0"/>
+          <a:chOff x="0" y="0"/>
+          <a:chExt cx="0" cy="0"/>
+        </a:xfrm>
+      </p:grpSpPr>
+      <p:sp>
+        <p:nvSpPr>
+          <p:cNvPr id="2" name="Title 1">
+            <a:extLst>
+              <a:ext uri="{FF2B5EF4-FFF2-40B4-BE49-F238E27FC236}">
+                <a16:creationId xmlns:a16="http://schemas.microsoft.com/office/drawing/2014/main" id="{D3A28927-60C8-45D7-9A43-D4D88F1E9BB2}"/>
+              </a:ext>
+            </a:extLst>
+          </p:cNvPr>
+          <p:cNvSpPr>
+            <a:spLocks noGrp="1"/>
+          </p:cNvSpPr>
+          <p:nvPr>
+            <p:ph type="title"/>
+          </p:nvPr>
+        </p:nvSpPr>
+        <p:spPr/>
+        <p:txBody>
+          <a:bodyPr/>
+          <a:lstStyle/>
+          <a:p>
+            <a:r>
+              <a:rPr lang="en-US" dirty="0" err="1"/>
+              <a:t>Minio</a:t>
+            </a:r>
+            <a:r>
+              <a:rPr lang="en-US" dirty="0"/>
+              <a:t> Bucket Commands</a:t>
+            </a:r>
+          </a:p>
+        </p:txBody>
+      </p:sp>
+      <p:sp>
+        <p:nvSpPr>
+          <p:cNvPr id="3" name="Content Placeholder 2">
+            <a:extLst>
+              <a:ext uri="{FF2B5EF4-FFF2-40B4-BE49-F238E27FC236}">
+                <a16:creationId xmlns:a16="http://schemas.microsoft.com/office/drawing/2014/main" id="{CBA651AB-302D-4BC9-A2CA-3FEB169522CD}"/>
+              </a:ext>
+            </a:extLst>
+          </p:cNvPr>
+          <p:cNvSpPr>
+            <a:spLocks noGrp="1"/>
+          </p:cNvSpPr>
+          <p:nvPr>
+            <p:ph idx="1"/>
+          </p:nvPr>
+        </p:nvSpPr>
+        <p:spPr/>
+        <p:txBody>
+          <a:bodyPr/>
+          <a:lstStyle/>
+          <a:p>
+            <a:r>
+              <a:rPr lang="en-US" dirty="0"/>
+              <a:t>Mb</a:t>
+            </a:r>
+          </a:p>
+          <a:p>
+            <a:r>
+              <a:rPr lang="en-US" dirty="0"/>
+              <a:t>Rb</a:t>
+            </a:r>
+          </a:p>
+          <a:p>
+            <a:r>
+              <a:rPr lang="en-US" dirty="0"/>
+              <a:t>Du</a:t>
+            </a:r>
+          </a:p>
+          <a:p>
+            <a:r>
+              <a:rPr lang="en-US" dirty="0"/>
+              <a:t>tree</a:t>
+            </a:r>
+          </a:p>
+          <a:p>
+            <a:endParaRPr lang="en-US" dirty="0"/>
+          </a:p>
+        </p:txBody>
+      </p:sp>
+    </p:spTree>
+    <p:extLst>
+      <p:ext uri="{BB962C8B-B14F-4D97-AF65-F5344CB8AC3E}">
+        <p14:creationId xmlns:p14="http://schemas.microsoft.com/office/powerpoint/2010/main" val="714999976"/>
+      </p:ext>
+    </p:extLst>
+  </p:cSld>
+  <p:clrMapOvr>
+    <a:masterClrMapping/>
+  </p:clrMapOvr>
+</p:sld>
+</file>
+
+<file path=ppt/slides/slide14.xml><?xml version="1.0" encoding="utf-8"?>
+<p:sld xmlns:a="http://schemas.openxmlformats.org/drawingml/2006/main" xmlns:r="http://schemas.openxmlformats.org/officeDocument/2006/relationships" xmlns:p="http://schemas.openxmlformats.org/presentationml/2006/main">
+  <p:cSld>
+    <p:spTree>
+      <p:nvGrpSpPr>
+        <p:cNvPr id="1" name=""/>
+        <p:cNvGrpSpPr/>
+        <p:nvPr/>
+      </p:nvGrpSpPr>
+      <p:grpSpPr>
+        <a:xfrm>
+          <a:off x="0" y="0"/>
+          <a:ext cx="0" cy="0"/>
+          <a:chOff x="0" y="0"/>
+          <a:chExt cx="0" cy="0"/>
+        </a:xfrm>
+      </p:grpSpPr>
+      <p:sp>
+        <p:nvSpPr>
+          <p:cNvPr id="2" name="Title 1">
+            <a:extLst>
+              <a:ext uri="{FF2B5EF4-FFF2-40B4-BE49-F238E27FC236}">
+                <a16:creationId xmlns:a16="http://schemas.microsoft.com/office/drawing/2014/main" id="{69FEA66B-646B-4469-9A96-F69D5AF869FE}"/>
+              </a:ext>
+            </a:extLst>
+          </p:cNvPr>
+          <p:cNvSpPr>
+            <a:spLocks noGrp="1"/>
+          </p:cNvSpPr>
+          <p:nvPr>
+            <p:ph type="title"/>
+          </p:nvPr>
+        </p:nvSpPr>
+        <p:spPr/>
+        <p:txBody>
+          <a:bodyPr/>
+          <a:lstStyle/>
+          <a:p>
+            <a:r>
+              <a:rPr lang="en-US" dirty="0" err="1"/>
+              <a:t>Minio</a:t>
+            </a:r>
+            <a:r>
+              <a:rPr lang="en-US" dirty="0"/>
+              <a:t> File command</a:t>
+            </a:r>
+          </a:p>
+        </p:txBody>
+      </p:sp>
+      <p:sp>
+        <p:nvSpPr>
+          <p:cNvPr id="3" name="Content Placeholder 2">
+            <a:extLst>
+              <a:ext uri="{FF2B5EF4-FFF2-40B4-BE49-F238E27FC236}">
+                <a16:creationId xmlns:a16="http://schemas.microsoft.com/office/drawing/2014/main" id="{9BCE3004-C78A-4049-B8E9-C427E41743CE}"/>
+              </a:ext>
+            </a:extLst>
+          </p:cNvPr>
+          <p:cNvSpPr>
+            <a:spLocks noGrp="1"/>
+          </p:cNvSpPr>
+          <p:nvPr>
+            <p:ph idx="1"/>
+          </p:nvPr>
+        </p:nvSpPr>
+        <p:spPr/>
+        <p:txBody>
+          <a:bodyPr/>
+          <a:lstStyle/>
+          <a:p>
+            <a:r>
+              <a:rPr lang="en-US" dirty="0"/>
+              <a:t>Ls</a:t>
+            </a:r>
+          </a:p>
+          <a:p>
+            <a:r>
+              <a:rPr lang="en-US" dirty="0"/>
+              <a:t>Cp</a:t>
+            </a:r>
+          </a:p>
+          <a:p>
+            <a:r>
+              <a:rPr lang="en-US" dirty="0"/>
+              <a:t>Rm</a:t>
+            </a:r>
+          </a:p>
+          <a:p>
+            <a:r>
+              <a:rPr lang="en-US" dirty="0"/>
+              <a:t>mv</a:t>
+            </a:r>
+          </a:p>
+        </p:txBody>
+      </p:sp>
+    </p:spTree>
+    <p:extLst>
+      <p:ext uri="{BB962C8B-B14F-4D97-AF65-F5344CB8AC3E}">
+        <p14:creationId xmlns:p14="http://schemas.microsoft.com/office/powerpoint/2010/main" val="1325708218"/>
+      </p:ext>
+    </p:extLst>
+  </p:cSld>
+  <p:clrMapOvr>
+    <a:masterClrMapping/>
+  </p:clrMapOvr>
+</p:sld>
+</file>
+
+<file path=ppt/slides/slide15.xml><?xml version="1.0" encoding="utf-8"?>
+<p:sld xmlns:a="http://schemas.openxmlformats.org/drawingml/2006/main" xmlns:r="http://schemas.openxmlformats.org/officeDocument/2006/relationships" xmlns:p="http://schemas.openxmlformats.org/presentationml/2006/main">
+  <p:cSld>
+    <p:spTree>
+      <p:nvGrpSpPr>
+        <p:cNvPr id="1" name=""/>
+        <p:cNvGrpSpPr/>
+        <p:nvPr/>
+      </p:nvGrpSpPr>
+      <p:grpSpPr>
+        <a:xfrm>
+          <a:off x="0" y="0"/>
+          <a:ext cx="0" cy="0"/>
+          <a:chOff x="0" y="0"/>
+          <a:chExt cx="0" cy="0"/>
+        </a:xfrm>
+      </p:grpSpPr>
+      <p:sp>
+        <p:nvSpPr>
+          <p:cNvPr id="4" name="Title 3">
+            <a:extLst>
+              <a:ext uri="{FF2B5EF4-FFF2-40B4-BE49-F238E27FC236}">
+                <a16:creationId xmlns:a16="http://schemas.microsoft.com/office/drawing/2014/main" id="{203427D1-941E-48C3-A16E-F3878D88A64B}"/>
+              </a:ext>
+            </a:extLst>
+          </p:cNvPr>
+          <p:cNvSpPr>
+            <a:spLocks noGrp="1"/>
+          </p:cNvSpPr>
+          <p:nvPr>
+            <p:ph type="ctrTitle"/>
+          </p:nvPr>
+        </p:nvSpPr>
+        <p:spPr/>
+        <p:txBody>
+          <a:bodyPr/>
+          <a:lstStyle/>
+          <a:p>
+            <a:r>
+              <a:rPr lang="en-US" dirty="0"/>
+              <a:t>Spark</a:t>
+            </a:r>
+          </a:p>
+        </p:txBody>
+      </p:sp>
+      <p:sp>
+        <p:nvSpPr>
+          <p:cNvPr id="5" name="Subtitle 4">
+            <a:extLst>
+              <a:ext uri="{FF2B5EF4-FFF2-40B4-BE49-F238E27FC236}">
+                <a16:creationId xmlns:a16="http://schemas.microsoft.com/office/drawing/2014/main" id="{146ABA24-ECE7-49CE-989A-DDDB7F890363}"/>
+              </a:ext>
+            </a:extLst>
+          </p:cNvPr>
+          <p:cNvSpPr>
+            <a:spLocks noGrp="1"/>
+          </p:cNvSpPr>
+          <p:nvPr>
+            <p:ph type="subTitle" idx="1"/>
+          </p:nvPr>
+        </p:nvSpPr>
+        <p:spPr/>
+        <p:txBody>
+          <a:bodyPr/>
+          <a:lstStyle/>
+          <a:p>
+            <a:r>
+              <a:rPr lang="en-US" dirty="0"/>
+              <a:t>TODO</a:t>
+            </a:r>
+          </a:p>
+        </p:txBody>
+      </p:sp>
+      <p:pic>
+        <p:nvPicPr>
+          <p:cNvPr id="2052" name="Picture 4" descr="Clarifying the Spark vs. Hadoop Question - DATAVERSITY">
+            <a:extLst>
+              <a:ext uri="{FF2B5EF4-FFF2-40B4-BE49-F238E27FC236}">
+                <a16:creationId xmlns:a16="http://schemas.microsoft.com/office/drawing/2014/main" id="{6BBC94A0-8B98-4B2C-8FF4-CBC6915F7905}"/>
+              </a:ext>
+            </a:extLst>
+          </p:cNvPr>
+          <p:cNvPicPr>
+            <a:picLocks noGrp="1" noChangeAspect="1" noChangeArrowheads="1"/>
+          </p:cNvPicPr>
+          <p:nvPr>
+            <p:ph type="media" sz="quarter" idx="13"/>
+          </p:nvPr>
+        </p:nvPicPr>
+        <p:blipFill>
+          <a:blip r:embed="rId2">
+            <a:extLst>
+              <a:ext uri="{28A0092B-C50C-407E-A947-70E740481C1C}">
+                <a14:useLocalDpi xmlns:a14="http://schemas.microsoft.com/office/drawing/2010/main" val="0"/>
+              </a:ext>
+            </a:extLst>
+          </a:blip>
+          <a:srcRect/>
+          <a:stretch>
+            <a:fillRect/>
+          </a:stretch>
+        </p:blipFill>
+        <p:spPr bwMode="auto">
+          <a:xfrm>
+            <a:off x="8111455" y="2957368"/>
+            <a:ext cx="2024063" cy="1570821"/>
+          </a:xfrm>
+          <a:prstGeom prst="rect">
+            <a:avLst/>
+          </a:prstGeom>
+          <a:noFill/>
+          <a:extLst>
+            <a:ext uri="{909E8E84-426E-40DD-AFC4-6F175D3DCCD1}">
+              <a14:hiddenFill xmlns:a14="http://schemas.microsoft.com/office/drawing/2010/main">
+                <a:solidFill>
+                  <a:srgbClr val="FFFFFF"/>
+                </a:solidFill>
+              </a14:hiddenFill>
+            </a:ext>
+          </a:extLst>
+        </p:spPr>
+      </p:pic>
+    </p:spTree>
+    <p:extLst>
+      <p:ext uri="{BB962C8B-B14F-4D97-AF65-F5344CB8AC3E}">
+        <p14:creationId xmlns:p14="http://schemas.microsoft.com/office/powerpoint/2010/main" val="3028465492"/>
+      </p:ext>
+    </p:extLst>
+  </p:cSld>
+  <p:clrMapOvr>
+    <a:masterClrMapping/>
+  </p:clrMapOvr>
+</p:sld>
+</file>
+
+<file path=ppt/slides/slide16.xml><?xml version="1.0" encoding="utf-8"?>
+<p:sld xmlns:a="http://schemas.openxmlformats.org/drawingml/2006/main" xmlns:r="http://schemas.openxmlformats.org/officeDocument/2006/relationships" xmlns:p="http://schemas.openxmlformats.org/presentationml/2006/main">
+  <p:cSld>
+    <p:spTree>
+      <p:nvGrpSpPr>
+        <p:cNvPr id="1" name=""/>
+        <p:cNvGrpSpPr/>
+        <p:nvPr/>
+      </p:nvGrpSpPr>
+      <p:grpSpPr>
+        <a:xfrm>
+          <a:off x="0" y="0"/>
+          <a:ext cx="0" cy="0"/>
+          <a:chOff x="0" y="0"/>
+          <a:chExt cx="0" cy="0"/>
+        </a:xfrm>
+      </p:grpSpPr>
+      <p:sp>
+        <p:nvSpPr>
+          <p:cNvPr id="2" name="Title 1">
+            <a:extLst>
+              <a:ext uri="{FF2B5EF4-FFF2-40B4-BE49-F238E27FC236}">
+                <a16:creationId xmlns:a16="http://schemas.microsoft.com/office/drawing/2014/main" id="{A6BB8592-8474-4C75-B81F-26A858AAEBFE}"/>
+              </a:ext>
+            </a:extLst>
+          </p:cNvPr>
+          <p:cNvSpPr>
+            <a:spLocks noGrp="1"/>
+          </p:cNvSpPr>
+          <p:nvPr>
+            <p:ph type="title"/>
+          </p:nvPr>
+        </p:nvSpPr>
+        <p:spPr/>
+        <p:txBody>
+          <a:bodyPr/>
+          <a:lstStyle/>
+          <a:p>
+            <a:r>
+              <a:rPr lang="en-US"/>
+              <a:t>Spark</a:t>
+            </a:r>
+            <a:endParaRPr lang="en-IN" dirty="0"/>
+          </a:p>
+        </p:txBody>
+      </p:sp>
+      <p:sp>
+        <p:nvSpPr>
+          <p:cNvPr id="3" name="Content Placeholder 2">
+            <a:extLst>
+              <a:ext uri="{FF2B5EF4-FFF2-40B4-BE49-F238E27FC236}">
+                <a16:creationId xmlns:a16="http://schemas.microsoft.com/office/drawing/2014/main" id="{08D28343-664E-4252-B919-7634531C0A75}"/>
+              </a:ext>
+            </a:extLst>
+          </p:cNvPr>
+          <p:cNvSpPr>
+            <a:spLocks noGrp="1"/>
+          </p:cNvSpPr>
+          <p:nvPr>
+            <p:ph idx="1"/>
+          </p:nvPr>
+        </p:nvSpPr>
+        <p:spPr>
+          <a:xfrm>
+            <a:off x="838199" y="1825625"/>
+            <a:ext cx="10621161" cy="4351338"/>
+          </a:xfrm>
+        </p:spPr>
+        <p:txBody>
+          <a:bodyPr/>
+          <a:lstStyle/>
+          <a:p>
+            <a:r>
+              <a:rPr lang="en-US" dirty="0"/>
+              <a:t>General-purpose data-processing/analytics/computing engine</a:t>
+            </a:r>
+          </a:p>
+          <a:p>
+            <a:r>
+              <a:rPr lang="en-US" dirty="0"/>
+              <a:t>Developed at UC Berkeley AMP Lab</a:t>
+            </a:r>
+          </a:p>
+          <a:p>
+            <a:r>
+              <a:rPr lang="en-US" dirty="0"/>
+              <a:t>Step up from Hive and Pig, which are still batch-oriented</a:t>
+            </a:r>
+          </a:p>
+          <a:p>
+            <a:r>
+              <a:rPr lang="en-US" dirty="0"/>
+              <a:t>Stores working data in memory for fast processing (RDDs, data sets, data frames)</a:t>
+            </a:r>
+          </a:p>
+          <a:p>
+            <a:r>
+              <a:rPr lang="en-US" dirty="0"/>
+              <a:t>APIs/language support for Python, Scala, Java, and R</a:t>
+            </a:r>
+          </a:p>
+        </p:txBody>
+      </p:sp>
+      <p:pic>
+        <p:nvPicPr>
+          <p:cNvPr id="6" name="Picture 2" descr="https://sparkhub.databricks.com/wp-content/uploads/2015/06/sparklogo_homepage.png">
+            <a:extLst>
+              <a:ext uri="{FF2B5EF4-FFF2-40B4-BE49-F238E27FC236}">
+                <a16:creationId xmlns:a16="http://schemas.microsoft.com/office/drawing/2014/main" id="{2E9361FF-9E21-44E3-A22B-3593F499938F}"/>
+              </a:ext>
+            </a:extLst>
+          </p:cNvPr>
+          <p:cNvPicPr>
+            <a:picLocks noChangeAspect="1" noChangeArrowheads="1"/>
+          </p:cNvPicPr>
+          <p:nvPr/>
+        </p:nvPicPr>
+        <p:blipFill>
+          <a:blip r:embed="rId2">
+            <a:extLst>
+              <a:ext uri="{28A0092B-C50C-407E-A947-70E740481C1C}">
+                <a14:useLocalDpi xmlns:a14="http://schemas.microsoft.com/office/drawing/2010/main" val="0"/>
+              </a:ext>
+            </a:extLst>
+          </a:blip>
+          <a:srcRect/>
+          <a:stretch>
+            <a:fillRect/>
+          </a:stretch>
+        </p:blipFill>
+        <p:spPr bwMode="auto">
+          <a:xfrm>
+            <a:off x="9205274" y="587699"/>
+            <a:ext cx="1688953" cy="880413"/>
+          </a:xfrm>
+          <a:prstGeom prst="rect">
+            <a:avLst/>
+          </a:prstGeom>
+          <a:noFill/>
+          <a:extLst>
+            <a:ext uri="{909E8E84-426E-40DD-AFC4-6F175D3DCCD1}">
+              <a14:hiddenFill xmlns:a14="http://schemas.microsoft.com/office/drawing/2010/main">
+                <a:solidFill>
+                  <a:srgbClr val="FFFFFF"/>
+                </a:solidFill>
+              </a14:hiddenFill>
+            </a:ext>
+          </a:extLst>
+        </p:spPr>
+      </p:pic>
+    </p:spTree>
+    <p:extLst>
+      <p:ext uri="{BB962C8B-B14F-4D97-AF65-F5344CB8AC3E}">
+        <p14:creationId xmlns:p14="http://schemas.microsoft.com/office/powerpoint/2010/main" val="1249479815"/>
+      </p:ext>
+    </p:extLst>
+  </p:cSld>
+  <p:clrMapOvr>
+    <a:masterClrMapping/>
+  </p:clrMapOvr>
+</p:sld>
+</file>
+
+<file path=ppt/slides/slide17.xml><?xml version="1.0" encoding="utf-8"?>
+<p:sld xmlns:a="http://schemas.openxmlformats.org/drawingml/2006/main" xmlns:r="http://schemas.openxmlformats.org/officeDocument/2006/relationships" xmlns:p="http://schemas.openxmlformats.org/presentationml/2006/main">
+  <p:cSld>
+    <p:spTree>
+      <p:nvGrpSpPr>
+        <p:cNvPr id="1" name=""/>
+        <p:cNvGrpSpPr/>
+        <p:nvPr/>
+      </p:nvGrpSpPr>
+      <p:grpSpPr>
+        <a:xfrm>
+          <a:off x="0" y="0"/>
+          <a:ext cx="0" cy="0"/>
+          <a:chOff x="0" y="0"/>
+          <a:chExt cx="0" cy="0"/>
+        </a:xfrm>
+      </p:grpSpPr>
+      <p:sp>
+        <p:nvSpPr>
+          <p:cNvPr id="2" name="Title 1">
+            <a:extLst>
+              <a:ext uri="{FF2B5EF4-FFF2-40B4-BE49-F238E27FC236}">
+                <a16:creationId xmlns:a16="http://schemas.microsoft.com/office/drawing/2014/main" id="{9EB3CB7C-8C98-479C-9AB2-C12425645B52}"/>
+              </a:ext>
+            </a:extLst>
+          </p:cNvPr>
+          <p:cNvSpPr>
+            <a:spLocks noGrp="1"/>
+          </p:cNvSpPr>
+          <p:nvPr>
+            <p:ph type="title"/>
+          </p:nvPr>
+        </p:nvSpPr>
+        <p:spPr/>
+        <p:txBody>
+          <a:bodyPr/>
+          <a:lstStyle/>
+          <a:p>
+            <a:r>
+              <a:rPr lang="en-US" dirty="0"/>
+              <a:t>Use Cases</a:t>
+            </a:r>
+          </a:p>
+        </p:txBody>
+      </p:sp>
+      <p:sp>
+        <p:nvSpPr>
+          <p:cNvPr id="3" name="Content Placeholder 2">
+            <a:extLst>
+              <a:ext uri="{FF2B5EF4-FFF2-40B4-BE49-F238E27FC236}">
+                <a16:creationId xmlns:a16="http://schemas.microsoft.com/office/drawing/2014/main" id="{D029C17E-5DAF-4ED3-8898-56801958DC17}"/>
+              </a:ext>
+            </a:extLst>
+          </p:cNvPr>
+          <p:cNvSpPr>
+            <a:spLocks noGrp="1"/>
+          </p:cNvSpPr>
+          <p:nvPr>
+            <p:ph idx="1"/>
+          </p:nvPr>
+        </p:nvSpPr>
+        <p:spPr/>
+        <p:txBody>
+          <a:bodyPr/>
+          <a:lstStyle/>
+          <a:p>
+            <a:r>
+              <a:rPr lang="en-US" dirty="0"/>
+              <a:t>machine learning tasks </a:t>
+            </a:r>
+          </a:p>
+          <a:p>
+            <a:r>
+              <a:rPr lang="en-US" dirty="0"/>
+              <a:t>interactive/exploratory analytics</a:t>
+            </a:r>
+          </a:p>
+          <a:p>
+            <a:r>
+              <a:rPr lang="en-US" dirty="0"/>
+              <a:t>real-time analytics</a:t>
+            </a:r>
+          </a:p>
+          <a:p>
+            <a:r>
+              <a:rPr lang="en-US" dirty="0"/>
+              <a:t>data pipelines </a:t>
+            </a:r>
+          </a:p>
+          <a:p>
+            <a:r>
+              <a:rPr lang="en-US" dirty="0"/>
+              <a:t>ETL flows</a:t>
+            </a:r>
+          </a:p>
+          <a:p>
+            <a:r>
+              <a:rPr lang="en-US" dirty="0"/>
+              <a:t>Machine learning pipelines</a:t>
+            </a:r>
+          </a:p>
+          <a:p>
+            <a:endParaRPr lang="en-US" dirty="0"/>
+          </a:p>
+          <a:p>
+            <a:endParaRPr lang="en-US" dirty="0"/>
+          </a:p>
+        </p:txBody>
+      </p:sp>
+    </p:spTree>
+    <p:extLst>
+      <p:ext uri="{BB962C8B-B14F-4D97-AF65-F5344CB8AC3E}">
+        <p14:creationId xmlns:p14="http://schemas.microsoft.com/office/powerpoint/2010/main" val="531405729"/>
+      </p:ext>
+    </p:extLst>
+  </p:cSld>
+  <p:clrMapOvr>
+    <a:masterClrMapping/>
+  </p:clrMapOvr>
+</p:sld>
+</file>
+
+<file path=ppt/slides/slide18.xml><?xml version="1.0" encoding="utf-8"?>
+<p:sld xmlns:a="http://schemas.openxmlformats.org/drawingml/2006/main" xmlns:r="http://schemas.openxmlformats.org/officeDocument/2006/relationships" xmlns:p="http://schemas.openxmlformats.org/presentationml/2006/main">
+  <p:cSld>
+    <p:spTree>
+      <p:nvGrpSpPr>
+        <p:cNvPr id="1" name=""/>
+        <p:cNvGrpSpPr/>
+        <p:nvPr/>
+      </p:nvGrpSpPr>
+      <p:grpSpPr>
+        <a:xfrm>
+          <a:off x="0" y="0"/>
+          <a:ext cx="0" cy="0"/>
+          <a:chOff x="0" y="0"/>
+          <a:chExt cx="0" cy="0"/>
+        </a:xfrm>
+      </p:grpSpPr>
+      <p:sp>
+        <p:nvSpPr>
+          <p:cNvPr id="2" name="Title 1">
+            <a:extLst>
+              <a:ext uri="{FF2B5EF4-FFF2-40B4-BE49-F238E27FC236}">
+                <a16:creationId xmlns:a16="http://schemas.microsoft.com/office/drawing/2014/main" id="{C1F531C0-4004-4F25-ADE7-00BAAB37983C}"/>
+              </a:ext>
+            </a:extLst>
+          </p:cNvPr>
+          <p:cNvSpPr>
+            <a:spLocks noGrp="1"/>
+          </p:cNvSpPr>
+          <p:nvPr>
+            <p:ph type="title"/>
+          </p:nvPr>
+        </p:nvSpPr>
+        <p:spPr/>
+        <p:txBody>
+          <a:bodyPr/>
+          <a:lstStyle/>
+          <a:p>
+            <a:r>
+              <a:rPr lang="en-US"/>
+              <a:t>Spark Libraries</a:t>
+            </a:r>
+            <a:endParaRPr lang="en-IN" dirty="0"/>
+          </a:p>
+        </p:txBody>
+      </p:sp>
+      <p:sp>
+        <p:nvSpPr>
+          <p:cNvPr id="3" name="Content Placeholder 2">
+            <a:extLst>
+              <a:ext uri="{FF2B5EF4-FFF2-40B4-BE49-F238E27FC236}">
+                <a16:creationId xmlns:a16="http://schemas.microsoft.com/office/drawing/2014/main" id="{69605E7A-4F4C-491E-B28B-B689BF88D086}"/>
+              </a:ext>
+            </a:extLst>
+          </p:cNvPr>
+          <p:cNvSpPr>
+            <a:spLocks noGrp="1"/>
+          </p:cNvSpPr>
+          <p:nvPr>
+            <p:ph idx="1"/>
+          </p:nvPr>
+        </p:nvSpPr>
+        <p:spPr>
+          <a:xfrm>
+            <a:off x="922789" y="1690688"/>
+            <a:ext cx="10431011" cy="2658574"/>
+          </a:xfrm>
+        </p:spPr>
+        <p:txBody>
+          <a:bodyPr>
+            <a:normAutofit/>
+          </a:bodyPr>
+          <a:lstStyle/>
+          <a:p>
+            <a:r>
+              <a:rPr lang="en-US" dirty="0"/>
+              <a:t>Four libraries built on Spark Core</a:t>
+            </a:r>
+          </a:p>
+          <a:p>
+            <a:pPr marL="470916" lvl="1" indent="-342900">
+              <a:buFont typeface="+mj-lt"/>
+              <a:buAutoNum type="arabicPeriod"/>
+            </a:pPr>
+            <a:r>
+              <a:rPr lang="en-US" b="1" dirty="0" err="1"/>
+              <a:t>MLlib</a:t>
+            </a:r>
+            <a:r>
+              <a:rPr lang="en-US" b="1" dirty="0"/>
+              <a:t>: </a:t>
+            </a:r>
+            <a:r>
+              <a:rPr lang="en-US" dirty="0"/>
+              <a:t>a machine learning library</a:t>
+            </a:r>
+          </a:p>
+          <a:p>
+            <a:pPr marL="470916" lvl="1" indent="-342900">
+              <a:buFont typeface="+mj-lt"/>
+              <a:buAutoNum type="arabicPeriod"/>
+            </a:pPr>
+            <a:r>
+              <a:rPr lang="en-US" b="1" dirty="0"/>
+              <a:t>Spark Streaming: </a:t>
+            </a:r>
+            <a:r>
+              <a:rPr lang="en-US" dirty="0"/>
+              <a:t>enables high-throughput, fault-tolerant stream processing of live data streams</a:t>
+            </a:r>
+          </a:p>
+          <a:p>
+            <a:pPr marL="470916" lvl="1" indent="-342900">
+              <a:buFont typeface="+mj-lt"/>
+              <a:buAutoNum type="arabicPeriod"/>
+            </a:pPr>
+            <a:r>
+              <a:rPr lang="en-US" b="1" dirty="0"/>
+              <a:t>Spark SQL: </a:t>
+            </a:r>
+            <a:r>
+              <a:rPr lang="en-US" dirty="0"/>
+              <a:t>runs SQL and </a:t>
+            </a:r>
+            <a:r>
+              <a:rPr lang="en-US" dirty="0" err="1"/>
+              <a:t>HiveQL</a:t>
+            </a:r>
+            <a:r>
+              <a:rPr lang="en-US" dirty="0"/>
+              <a:t> queries, accesses </a:t>
+            </a:r>
+            <a:r>
+              <a:rPr lang="en-US" dirty="0" err="1"/>
+              <a:t>Metastore</a:t>
+            </a:r>
+            <a:endParaRPr lang="en-US" dirty="0"/>
+          </a:p>
+          <a:p>
+            <a:pPr marL="470916" lvl="1" indent="-342900">
+              <a:buFont typeface="+mj-lt"/>
+              <a:buAutoNum type="arabicPeriod"/>
+            </a:pPr>
+            <a:r>
+              <a:rPr lang="en-US" b="1" dirty="0" err="1"/>
+              <a:t>GraphX</a:t>
+            </a:r>
+            <a:r>
+              <a:rPr lang="en-US" b="1" dirty="0"/>
+              <a:t>: </a:t>
+            </a:r>
+            <a:r>
+              <a:rPr lang="en-US" dirty="0"/>
+              <a:t>an API for graphs and graph-parallel computation</a:t>
+            </a:r>
+          </a:p>
+        </p:txBody>
+      </p:sp>
+      <p:grpSp>
+        <p:nvGrpSpPr>
+          <p:cNvPr id="15" name="Group 14"/>
+          <p:cNvGrpSpPr/>
+          <p:nvPr/>
+        </p:nvGrpSpPr>
+        <p:grpSpPr>
+          <a:xfrm>
+            <a:off x="2793534" y="4557073"/>
+            <a:ext cx="6140741" cy="2103785"/>
+            <a:chOff x="2656113" y="4859383"/>
+            <a:chExt cx="3831773" cy="1813518"/>
+          </a:xfrm>
+        </p:grpSpPr>
+        <p:sp>
+          <p:nvSpPr>
+            <p:cNvPr id="16" name="Rectangle 15"/>
+            <p:cNvSpPr/>
+            <p:nvPr/>
+          </p:nvSpPr>
+          <p:spPr>
+            <a:xfrm>
+              <a:off x="3637279" y="4859383"/>
+              <a:ext cx="888275" cy="1219200"/>
+            </a:xfrm>
+            <a:prstGeom prst="rect">
+              <a:avLst/>
+            </a:prstGeom>
+            <a:solidFill>
+              <a:srgbClr val="595959"/>
+            </a:solidFill>
+            <a:ln>
+              <a:noFill/>
+            </a:ln>
+          </p:spPr>
+          <p:style>
+            <a:lnRef idx="2">
+              <a:schemeClr val="accent1">
+                <a:shade val="50000"/>
+              </a:schemeClr>
+            </a:lnRef>
+            <a:fillRef idx="1">
+              <a:schemeClr val="accent1"/>
+            </a:fillRef>
+            <a:effectRef idx="0">
+              <a:schemeClr val="accent1"/>
+            </a:effectRef>
+            <a:fontRef idx="minor">
+              <a:schemeClr val="lt1"/>
+            </a:fontRef>
+          </p:style>
+          <p:txBody>
+            <a:bodyPr lIns="0" tIns="0" rIns="0" bIns="0" rtlCol="0" anchor="ctr">
+              <a:noAutofit/>
+            </a:bodyPr>
+            <a:lstStyle/>
+            <a:p>
+              <a:pPr algn="ctr"/>
+              <a:r>
+                <a:rPr lang="en-US" sz="1600" dirty="0">
+                  <a:latin typeface="Sherman Serif Book"/>
+                </a:rPr>
+                <a:t>Spark</a:t>
+              </a:r>
+              <a:br>
+                <a:rPr lang="en-US" sz="1600" dirty="0">
+                  <a:latin typeface="Sherman Serif Book"/>
+                </a:rPr>
+              </a:br>
+              <a:r>
+                <a:rPr lang="en-US" sz="1600" dirty="0">
+                  <a:latin typeface="Sherman Serif Book"/>
+                </a:rPr>
+                <a:t>Streaming</a:t>
+              </a:r>
+            </a:p>
+          </p:txBody>
+        </p:sp>
+        <p:sp>
+          <p:nvSpPr>
+            <p:cNvPr id="17" name="Rectangle 16"/>
+            <p:cNvSpPr/>
+            <p:nvPr/>
+          </p:nvSpPr>
+          <p:spPr>
+            <a:xfrm>
+              <a:off x="5599611" y="4859383"/>
+              <a:ext cx="888275" cy="1219200"/>
+            </a:xfrm>
+            <a:prstGeom prst="rect">
+              <a:avLst/>
+            </a:prstGeom>
+            <a:solidFill>
+              <a:srgbClr val="595959"/>
+            </a:solidFill>
+            <a:ln>
+              <a:noFill/>
+            </a:ln>
+          </p:spPr>
+          <p:style>
+            <a:lnRef idx="2">
+              <a:schemeClr val="accent1">
+                <a:shade val="50000"/>
+              </a:schemeClr>
+            </a:lnRef>
+            <a:fillRef idx="1">
+              <a:schemeClr val="accent1"/>
+            </a:fillRef>
+            <a:effectRef idx="0">
+              <a:schemeClr val="accent1"/>
+            </a:effectRef>
+            <a:fontRef idx="minor">
+              <a:schemeClr val="lt1"/>
+            </a:fontRef>
+          </p:style>
+          <p:txBody>
+            <a:bodyPr lIns="0" tIns="0" rIns="0" bIns="0" rtlCol="0" anchor="ctr">
+              <a:noAutofit/>
+            </a:bodyPr>
+            <a:lstStyle/>
+            <a:p>
+              <a:pPr algn="ctr"/>
+              <a:r>
+                <a:rPr lang="en-US" sz="1600" dirty="0">
+                  <a:latin typeface="Sherman Serif Book"/>
+                </a:rPr>
+                <a:t>GraphX</a:t>
+              </a:r>
+              <a:br>
+                <a:rPr lang="en-US" sz="1600" dirty="0">
+                  <a:latin typeface="Sherman Serif Book"/>
+                </a:rPr>
+              </a:br>
+              <a:r>
+                <a:rPr lang="en-US" sz="1600" dirty="0">
+                  <a:latin typeface="Sherman Serif Book"/>
+                </a:rPr>
+                <a:t>(graph)</a:t>
+              </a:r>
+            </a:p>
+          </p:txBody>
+        </p:sp>
+        <p:sp>
+          <p:nvSpPr>
+            <p:cNvPr id="18" name="Rectangle 17"/>
+            <p:cNvSpPr/>
+            <p:nvPr/>
+          </p:nvSpPr>
+          <p:spPr>
+            <a:xfrm>
+              <a:off x="4618445" y="4859383"/>
+              <a:ext cx="888275" cy="1219200"/>
+            </a:xfrm>
+            <a:prstGeom prst="rect">
+              <a:avLst/>
+            </a:prstGeom>
+            <a:solidFill>
+              <a:srgbClr val="595959"/>
+            </a:solidFill>
+            <a:ln>
+              <a:noFill/>
+            </a:ln>
+          </p:spPr>
+          <p:style>
+            <a:lnRef idx="2">
+              <a:schemeClr val="accent1">
+                <a:shade val="50000"/>
+              </a:schemeClr>
+            </a:lnRef>
+            <a:fillRef idx="1">
+              <a:schemeClr val="accent1"/>
+            </a:fillRef>
+            <a:effectRef idx="0">
+              <a:schemeClr val="accent1"/>
+            </a:effectRef>
+            <a:fontRef idx="minor">
+              <a:schemeClr val="lt1"/>
+            </a:fontRef>
+          </p:style>
+          <p:txBody>
+            <a:bodyPr lIns="0" tIns="0" rIns="0" bIns="0" rtlCol="0" anchor="ctr">
+              <a:noAutofit/>
+            </a:bodyPr>
+            <a:lstStyle/>
+            <a:p>
+              <a:pPr algn="ctr"/>
+              <a:r>
+                <a:rPr lang="en-US" sz="1600" dirty="0">
+                  <a:latin typeface="Sherman Serif Book"/>
+                </a:rPr>
+                <a:t>MLlib</a:t>
+              </a:r>
+              <a:br>
+                <a:rPr lang="en-US" sz="1600" dirty="0">
+                  <a:latin typeface="Sherman Serif Book"/>
+                </a:rPr>
+              </a:br>
+              <a:r>
+                <a:rPr lang="en-US" sz="1600" dirty="0">
+                  <a:latin typeface="Sherman Serif Book"/>
+                </a:rPr>
+                <a:t>(machine</a:t>
+              </a:r>
+              <a:br>
+                <a:rPr lang="en-US" sz="1600" dirty="0">
+                  <a:latin typeface="Sherman Serif Book"/>
+                </a:rPr>
+              </a:br>
+              <a:r>
+                <a:rPr lang="en-US" sz="1600" dirty="0">
+                  <a:latin typeface="Sherman Serif Book"/>
+                </a:rPr>
+                <a:t>learning)</a:t>
+              </a:r>
+            </a:p>
+          </p:txBody>
+        </p:sp>
+        <p:sp>
+          <p:nvSpPr>
+            <p:cNvPr id="19" name="Rectangle 18"/>
+            <p:cNvSpPr/>
+            <p:nvPr/>
+          </p:nvSpPr>
+          <p:spPr>
+            <a:xfrm>
+              <a:off x="2656113" y="6148250"/>
+              <a:ext cx="3831773" cy="524651"/>
+            </a:xfrm>
+            <a:prstGeom prst="rect">
+              <a:avLst/>
+            </a:prstGeom>
+            <a:solidFill>
+              <a:schemeClr val="accent2"/>
+            </a:solidFill>
+            <a:ln>
+              <a:noFill/>
+            </a:ln>
+          </p:spPr>
+          <p:style>
+            <a:lnRef idx="2">
+              <a:schemeClr val="accent1">
+                <a:shade val="50000"/>
+              </a:schemeClr>
+            </a:lnRef>
+            <a:fillRef idx="1">
+              <a:schemeClr val="accent1"/>
+            </a:fillRef>
+            <a:effectRef idx="0">
+              <a:schemeClr val="accent1"/>
+            </a:effectRef>
+            <a:fontRef idx="minor">
+              <a:schemeClr val="lt1"/>
+            </a:fontRef>
+          </p:style>
+          <p:txBody>
+            <a:bodyPr rtlCol="0" anchor="ctr">
+              <a:noAutofit/>
+            </a:bodyPr>
+            <a:lstStyle/>
+            <a:p>
+              <a:pPr algn="ctr"/>
+              <a:r>
+                <a:rPr lang="en-US" sz="2200" dirty="0">
+                  <a:latin typeface="Sherman Serif Book"/>
+                </a:rPr>
+                <a:t>Apache Spark</a:t>
+              </a:r>
+            </a:p>
+          </p:txBody>
+        </p:sp>
+        <p:sp>
+          <p:nvSpPr>
+            <p:cNvPr id="20" name="Rectangle 19"/>
+            <p:cNvSpPr/>
+            <p:nvPr/>
+          </p:nvSpPr>
+          <p:spPr>
+            <a:xfrm>
+              <a:off x="2656113" y="4859383"/>
+              <a:ext cx="888275" cy="1219200"/>
+            </a:xfrm>
+            <a:prstGeom prst="rect">
+              <a:avLst/>
+            </a:prstGeom>
+            <a:solidFill>
+              <a:srgbClr val="595959"/>
+            </a:solidFill>
+            <a:ln>
+              <a:noFill/>
+            </a:ln>
+          </p:spPr>
+          <p:style>
+            <a:lnRef idx="2">
+              <a:schemeClr val="accent1">
+                <a:shade val="50000"/>
+              </a:schemeClr>
+            </a:lnRef>
+            <a:fillRef idx="1">
+              <a:schemeClr val="accent1"/>
+            </a:fillRef>
+            <a:effectRef idx="0">
+              <a:schemeClr val="accent1"/>
+            </a:effectRef>
+            <a:fontRef idx="minor">
+              <a:schemeClr val="lt1"/>
+            </a:fontRef>
+          </p:style>
+          <p:txBody>
+            <a:bodyPr lIns="0" tIns="0" rIns="0" bIns="0" rtlCol="0" anchor="ctr">
+              <a:noAutofit/>
+            </a:bodyPr>
+            <a:lstStyle/>
+            <a:p>
+              <a:pPr algn="ctr"/>
+              <a:r>
+                <a:rPr lang="en-US" sz="1600" dirty="0">
+                  <a:latin typeface="Sherman Serif Book"/>
+                </a:rPr>
+                <a:t>Spark</a:t>
+              </a:r>
+              <a:br>
+                <a:rPr lang="en-US" sz="1600" dirty="0">
+                  <a:latin typeface="Sherman Serif Book"/>
+                </a:rPr>
+              </a:br>
+              <a:r>
+                <a:rPr lang="en-US" sz="1600" dirty="0">
+                  <a:latin typeface="Sherman Serif Book"/>
+                </a:rPr>
+                <a:t>SQL</a:t>
+              </a:r>
+            </a:p>
+          </p:txBody>
+        </p:sp>
+      </p:grpSp>
+    </p:spTree>
+    <p:extLst>
+      <p:ext uri="{BB962C8B-B14F-4D97-AF65-F5344CB8AC3E}">
+        <p14:creationId xmlns:p14="http://schemas.microsoft.com/office/powerpoint/2010/main" val="2247662700"/>
+      </p:ext>
+    </p:extLst>
+  </p:cSld>
+  <p:clrMapOvr>
+    <a:masterClrMapping/>
+  </p:clrMapOvr>
+</p:sld>
+</file>
+
+<file path=ppt/slides/slide19.xml><?xml version="1.0" encoding="utf-8"?>
+<p:sld xmlns:a="http://schemas.openxmlformats.org/drawingml/2006/main" xmlns:r="http://schemas.openxmlformats.org/officeDocument/2006/relationships" xmlns:p="http://schemas.openxmlformats.org/presentationml/2006/main">
+  <p:cSld>
+    <p:spTree>
+      <p:nvGrpSpPr>
+        <p:cNvPr id="1" name=""/>
+        <p:cNvGrpSpPr/>
+        <p:nvPr/>
+      </p:nvGrpSpPr>
+      <p:grpSpPr>
+        <a:xfrm>
+          <a:off x="0" y="0"/>
+          <a:ext cx="0" cy="0"/>
+          <a:chOff x="0" y="0"/>
+          <a:chExt cx="0" cy="0"/>
+        </a:xfrm>
+      </p:grpSpPr>
+      <p:sp>
+        <p:nvSpPr>
+          <p:cNvPr id="2" name="Title 1">
+            <a:extLst>
+              <a:ext uri="{FF2B5EF4-FFF2-40B4-BE49-F238E27FC236}">
+                <a16:creationId xmlns:a16="http://schemas.microsoft.com/office/drawing/2014/main" id="{829606F5-761C-403C-B3B4-0FCE7536C2BA}"/>
+              </a:ext>
+            </a:extLst>
+          </p:cNvPr>
+          <p:cNvSpPr>
+            <a:spLocks noGrp="1"/>
+          </p:cNvSpPr>
+          <p:nvPr>
+            <p:ph type="title"/>
+          </p:nvPr>
+        </p:nvSpPr>
+        <p:spPr/>
+        <p:txBody>
+          <a:bodyPr/>
+          <a:lstStyle/>
+          <a:p>
+            <a:r>
+              <a:rPr lang="en-US" dirty="0"/>
+              <a:t>Spark Deployments</a:t>
+            </a:r>
+          </a:p>
+        </p:txBody>
+      </p:sp>
+      <p:sp>
+        <p:nvSpPr>
+          <p:cNvPr id="3" name="Content Placeholder 2">
+            <a:extLst>
+              <a:ext uri="{FF2B5EF4-FFF2-40B4-BE49-F238E27FC236}">
+                <a16:creationId xmlns:a16="http://schemas.microsoft.com/office/drawing/2014/main" id="{21054817-CE2B-48DE-86A1-06540286F389}"/>
+              </a:ext>
+            </a:extLst>
+          </p:cNvPr>
+          <p:cNvSpPr>
+            <a:spLocks noGrp="1"/>
+          </p:cNvSpPr>
+          <p:nvPr>
+            <p:ph idx="1"/>
+          </p:nvPr>
+        </p:nvSpPr>
+        <p:spPr/>
+        <p:txBody>
+          <a:bodyPr/>
+          <a:lstStyle/>
+          <a:p>
+            <a:r>
+              <a:rPr lang="en-US" dirty="0"/>
+              <a:t>Standalone </a:t>
+            </a:r>
+          </a:p>
+          <a:p>
+            <a:pPr lvl="1"/>
+            <a:r>
+              <a:rPr lang="en-US" dirty="0"/>
+              <a:t>Spark Client Mode (for development / testing all parts on one host)</a:t>
+            </a:r>
+          </a:p>
+          <a:p>
+            <a:pPr lvl="1"/>
+            <a:r>
+              <a:rPr lang="en-US" dirty="0"/>
+              <a:t>Spark Cluster Mode (below)</a:t>
+            </a:r>
+          </a:p>
+          <a:p>
+            <a:endParaRPr lang="en-US" dirty="0"/>
+          </a:p>
+        </p:txBody>
+      </p:sp>
+      <p:grpSp>
+        <p:nvGrpSpPr>
+          <p:cNvPr id="4" name="Group 3">
+            <a:extLst>
+              <a:ext uri="{FF2B5EF4-FFF2-40B4-BE49-F238E27FC236}">
+                <a16:creationId xmlns:a16="http://schemas.microsoft.com/office/drawing/2014/main" id="{910373B5-DEE0-4D45-AEC6-92BA1AFC55F9}"/>
+              </a:ext>
+            </a:extLst>
+          </p:cNvPr>
+          <p:cNvGrpSpPr/>
+          <p:nvPr/>
+        </p:nvGrpSpPr>
+        <p:grpSpPr>
+          <a:xfrm>
+            <a:off x="3298777" y="3007261"/>
+            <a:ext cx="7113160" cy="3304639"/>
+            <a:chOff x="1288869" y="2098767"/>
+            <a:chExt cx="6592387" cy="3068227"/>
+          </a:xfrm>
+        </p:grpSpPr>
+        <p:sp>
+          <p:nvSpPr>
+            <p:cNvPr id="5" name="Rectangle 4">
+              <a:extLst>
+                <a:ext uri="{FF2B5EF4-FFF2-40B4-BE49-F238E27FC236}">
+                  <a16:creationId xmlns:a16="http://schemas.microsoft.com/office/drawing/2014/main" id="{0E6AA6E4-4C62-401E-A234-A1BA8B1F109D}"/>
+                </a:ext>
+              </a:extLst>
+            </p:cNvPr>
+            <p:cNvSpPr/>
+            <p:nvPr/>
+          </p:nvSpPr>
+          <p:spPr>
+            <a:xfrm>
+              <a:off x="3683726" y="3336126"/>
+              <a:ext cx="1654628" cy="687233"/>
+            </a:xfrm>
+            <a:prstGeom prst="rect">
+              <a:avLst/>
+            </a:prstGeom>
+            <a:ln>
+              <a:noFill/>
+            </a:ln>
+          </p:spPr>
+          <p:style>
+            <a:lnRef idx="2">
+              <a:schemeClr val="accent1">
+                <a:shade val="50000"/>
+              </a:schemeClr>
+            </a:lnRef>
+            <a:fillRef idx="1">
+              <a:schemeClr val="accent1"/>
+            </a:fillRef>
+            <a:effectRef idx="0">
+              <a:schemeClr val="accent1"/>
+            </a:effectRef>
+            <a:fontRef idx="minor">
+              <a:schemeClr val="lt1"/>
+            </a:fontRef>
+          </p:style>
+          <p:txBody>
+            <a:bodyPr rtlCol="0" anchor="ctr">
+              <a:noAutofit/>
+            </a:bodyPr>
+            <a:lstStyle/>
+            <a:p>
+              <a:pPr algn="ctr"/>
+              <a:r>
+                <a:rPr lang="en-US" sz="1600" dirty="0">
+                  <a:latin typeface="Sherman Serif Book"/>
+                </a:rPr>
+                <a:t>Cluster Manager</a:t>
+              </a:r>
+            </a:p>
+          </p:txBody>
+        </p:sp>
+        <p:sp>
+          <p:nvSpPr>
+            <p:cNvPr id="6" name="Rectangle 5">
+              <a:extLst>
+                <a:ext uri="{FF2B5EF4-FFF2-40B4-BE49-F238E27FC236}">
+                  <a16:creationId xmlns:a16="http://schemas.microsoft.com/office/drawing/2014/main" id="{2FFE429F-4725-40A2-AA95-D1E58008F820}"/>
+                </a:ext>
+              </a:extLst>
+            </p:cNvPr>
+            <p:cNvSpPr/>
+            <p:nvPr/>
+          </p:nvSpPr>
+          <p:spPr>
+            <a:xfrm>
+              <a:off x="1288869" y="3012564"/>
+              <a:ext cx="1654628" cy="1054339"/>
+            </a:xfrm>
+            <a:prstGeom prst="rect">
+              <a:avLst/>
+            </a:prstGeom>
+            <a:ln>
+              <a:noFill/>
+            </a:ln>
+          </p:spPr>
+          <p:style>
+            <a:lnRef idx="2">
+              <a:schemeClr val="accent1">
+                <a:shade val="50000"/>
+              </a:schemeClr>
+            </a:lnRef>
+            <a:fillRef idx="1">
+              <a:schemeClr val="accent1"/>
+            </a:fillRef>
+            <a:effectRef idx="0">
+              <a:schemeClr val="accent1"/>
+            </a:effectRef>
+            <a:fontRef idx="minor">
+              <a:schemeClr val="lt1"/>
+            </a:fontRef>
+          </p:style>
+          <p:txBody>
+            <a:bodyPr tIns="91440" rtlCol="0" anchor="t">
+              <a:noAutofit/>
+            </a:bodyPr>
+            <a:lstStyle/>
+            <a:p>
+              <a:pPr algn="ctr"/>
+              <a:r>
+                <a:rPr lang="en-US" sz="1600" dirty="0">
+                  <a:latin typeface="Sherman Serif Book"/>
+                </a:rPr>
+                <a:t>Driver Program</a:t>
+              </a:r>
+            </a:p>
+          </p:txBody>
+        </p:sp>
+        <p:sp>
+          <p:nvSpPr>
+            <p:cNvPr id="7" name="Rectangle 6">
+              <a:extLst>
+                <a:ext uri="{FF2B5EF4-FFF2-40B4-BE49-F238E27FC236}">
+                  <a16:creationId xmlns:a16="http://schemas.microsoft.com/office/drawing/2014/main" id="{6E1BA717-8F51-46C7-99E0-77D53B0E9012}"/>
+                </a:ext>
+              </a:extLst>
+            </p:cNvPr>
+            <p:cNvSpPr/>
+            <p:nvPr/>
+          </p:nvSpPr>
+          <p:spPr>
+            <a:xfrm>
+              <a:off x="1406435" y="3431176"/>
+              <a:ext cx="1419497" cy="505839"/>
+            </a:xfrm>
+            <a:prstGeom prst="rect">
+              <a:avLst/>
+            </a:prstGeom>
+            <a:solidFill>
+              <a:srgbClr val="7F7F7F"/>
+            </a:solidFill>
+            <a:ln>
+              <a:noFill/>
+            </a:ln>
+          </p:spPr>
+          <p:style>
+            <a:lnRef idx="2">
+              <a:schemeClr val="accent1">
+                <a:shade val="50000"/>
+              </a:schemeClr>
+            </a:lnRef>
+            <a:fillRef idx="1">
+              <a:schemeClr val="accent1"/>
+            </a:fillRef>
+            <a:effectRef idx="0">
+              <a:schemeClr val="accent1"/>
+            </a:effectRef>
+            <a:fontRef idx="minor">
+              <a:schemeClr val="lt1"/>
+            </a:fontRef>
+          </p:style>
+          <p:txBody>
+            <a:bodyPr rtlCol="0" anchor="ctr">
+              <a:noAutofit/>
+            </a:bodyPr>
+            <a:lstStyle/>
+            <a:p>
+              <a:pPr algn="ctr"/>
+              <a:r>
+                <a:rPr lang="en-US" sz="1600" dirty="0">
+                  <a:solidFill>
+                    <a:schemeClr val="bg1"/>
+                  </a:solidFill>
+                  <a:latin typeface="Sherman Serif Book"/>
+                </a:rPr>
+                <a:t>Spark Context</a:t>
+              </a:r>
+            </a:p>
+          </p:txBody>
+        </p:sp>
+        <p:sp>
+          <p:nvSpPr>
+            <p:cNvPr id="8" name="Rectangle 7">
+              <a:extLst>
+                <a:ext uri="{FF2B5EF4-FFF2-40B4-BE49-F238E27FC236}">
+                  <a16:creationId xmlns:a16="http://schemas.microsoft.com/office/drawing/2014/main" id="{6AE70DA2-4673-4179-82C2-68B9353AFA3C}"/>
+                </a:ext>
+              </a:extLst>
+            </p:cNvPr>
+            <p:cNvSpPr/>
+            <p:nvPr/>
+          </p:nvSpPr>
+          <p:spPr>
+            <a:xfrm>
+              <a:off x="6063887" y="2098767"/>
+              <a:ext cx="1817369" cy="1393472"/>
+            </a:xfrm>
+            <a:prstGeom prst="rect">
+              <a:avLst/>
+            </a:prstGeom>
+            <a:ln>
+              <a:noFill/>
+            </a:ln>
+          </p:spPr>
+          <p:style>
+            <a:lnRef idx="2">
+              <a:schemeClr val="accent1">
+                <a:shade val="50000"/>
+              </a:schemeClr>
+            </a:lnRef>
+            <a:fillRef idx="1">
+              <a:schemeClr val="accent1"/>
+            </a:fillRef>
+            <a:effectRef idx="0">
+              <a:schemeClr val="accent1"/>
+            </a:effectRef>
+            <a:fontRef idx="minor">
+              <a:schemeClr val="lt1"/>
+            </a:fontRef>
+          </p:style>
+          <p:txBody>
+            <a:bodyPr lIns="182880" tIns="91440" rtlCol="0" anchor="t">
+              <a:noAutofit/>
+            </a:bodyPr>
+            <a:lstStyle/>
+            <a:p>
+              <a:r>
+                <a:rPr lang="en-US" sz="1600" dirty="0">
+                  <a:latin typeface="Sherman Serif Book"/>
+                </a:rPr>
+                <a:t>Worker Node</a:t>
+              </a:r>
+            </a:p>
+          </p:txBody>
+        </p:sp>
+        <p:sp>
+          <p:nvSpPr>
+            <p:cNvPr id="9" name="Rectangle 8">
+              <a:extLst>
+                <a:ext uri="{FF2B5EF4-FFF2-40B4-BE49-F238E27FC236}">
+                  <a16:creationId xmlns:a16="http://schemas.microsoft.com/office/drawing/2014/main" id="{0AF62E29-BEB5-4F59-9B98-73ADCBB07A16}"/>
+                </a:ext>
+              </a:extLst>
+            </p:cNvPr>
+            <p:cNvSpPr/>
+            <p:nvPr/>
+          </p:nvSpPr>
+          <p:spPr>
+            <a:xfrm>
+              <a:off x="6193015" y="2499360"/>
+              <a:ext cx="1587958" cy="862991"/>
+            </a:xfrm>
+            <a:prstGeom prst="rect">
+              <a:avLst/>
+            </a:prstGeom>
+            <a:solidFill>
+              <a:srgbClr val="7F7F7F"/>
+            </a:solidFill>
+            <a:ln>
+              <a:noFill/>
+            </a:ln>
+          </p:spPr>
+          <p:style>
+            <a:lnRef idx="2">
+              <a:schemeClr val="accent1">
+                <a:shade val="50000"/>
+              </a:schemeClr>
+            </a:lnRef>
+            <a:fillRef idx="1">
+              <a:schemeClr val="accent1"/>
+            </a:fillRef>
+            <a:effectRef idx="0">
+              <a:schemeClr val="accent1"/>
+            </a:effectRef>
+            <a:fontRef idx="minor">
+              <a:schemeClr val="lt1"/>
+            </a:fontRef>
+          </p:style>
+          <p:txBody>
+            <a:bodyPr tIns="91440" rtlCol="0" anchor="t">
+              <a:noAutofit/>
+            </a:bodyPr>
+            <a:lstStyle/>
+            <a:p>
+              <a:r>
+                <a:rPr lang="en-US" sz="1600" dirty="0">
+                  <a:latin typeface="Sherman Serif Book"/>
+                </a:rPr>
+                <a:t>Executor</a:t>
+              </a:r>
+            </a:p>
+          </p:txBody>
+        </p:sp>
+        <p:sp>
+          <p:nvSpPr>
+            <p:cNvPr id="10" name="Rectangle 9">
+              <a:extLst>
+                <a:ext uri="{FF2B5EF4-FFF2-40B4-BE49-F238E27FC236}">
+                  <a16:creationId xmlns:a16="http://schemas.microsoft.com/office/drawing/2014/main" id="{40DDCF6A-EA7C-452E-9AC4-513B08237A2C}"/>
+                </a:ext>
+              </a:extLst>
+            </p:cNvPr>
+            <p:cNvSpPr/>
+            <p:nvPr/>
+          </p:nvSpPr>
+          <p:spPr>
+            <a:xfrm>
+              <a:off x="6261463" y="2929563"/>
+              <a:ext cx="679268" cy="370986"/>
+            </a:xfrm>
+            <a:prstGeom prst="rect">
+              <a:avLst/>
+            </a:prstGeom>
+            <a:solidFill>
+              <a:srgbClr val="BFBFBF"/>
+            </a:solidFill>
+            <a:ln>
+              <a:noFill/>
+            </a:ln>
+          </p:spPr>
+          <p:style>
+            <a:lnRef idx="2">
+              <a:schemeClr val="accent1">
+                <a:shade val="50000"/>
+              </a:schemeClr>
+            </a:lnRef>
+            <a:fillRef idx="1">
+              <a:schemeClr val="accent1"/>
+            </a:fillRef>
+            <a:effectRef idx="0">
+              <a:schemeClr val="accent1"/>
+            </a:effectRef>
+            <a:fontRef idx="minor">
+              <a:schemeClr val="lt1"/>
+            </a:fontRef>
+          </p:style>
+          <p:txBody>
+            <a:bodyPr rtlCol="0" anchor="ctr">
+              <a:noAutofit/>
+            </a:bodyPr>
+            <a:lstStyle/>
+            <a:p>
+              <a:pPr algn="ctr"/>
+              <a:r>
+                <a:rPr lang="en-US" sz="1600" dirty="0">
+                  <a:solidFill>
+                    <a:schemeClr val="tx1"/>
+                  </a:solidFill>
+                  <a:latin typeface="Sherman Serif Book"/>
+                </a:rPr>
+                <a:t>Task</a:t>
+              </a:r>
+            </a:p>
+          </p:txBody>
+        </p:sp>
+        <p:sp>
+          <p:nvSpPr>
+            <p:cNvPr id="11" name="Rectangle 10">
+              <a:extLst>
+                <a:ext uri="{FF2B5EF4-FFF2-40B4-BE49-F238E27FC236}">
+                  <a16:creationId xmlns:a16="http://schemas.microsoft.com/office/drawing/2014/main" id="{5AD23730-029E-4F39-BA8D-575A06C9BAC9}"/>
+                </a:ext>
+              </a:extLst>
+            </p:cNvPr>
+            <p:cNvSpPr/>
+            <p:nvPr/>
+          </p:nvSpPr>
+          <p:spPr>
+            <a:xfrm>
+              <a:off x="7023234" y="2929563"/>
+              <a:ext cx="679268" cy="370986"/>
+            </a:xfrm>
+            <a:prstGeom prst="rect">
+              <a:avLst/>
+            </a:prstGeom>
+            <a:solidFill>
+              <a:srgbClr val="BFBFBF"/>
+            </a:solidFill>
+            <a:ln>
+              <a:noFill/>
+            </a:ln>
+          </p:spPr>
+          <p:style>
+            <a:lnRef idx="2">
+              <a:schemeClr val="accent1">
+                <a:shade val="50000"/>
+              </a:schemeClr>
+            </a:lnRef>
+            <a:fillRef idx="1">
+              <a:schemeClr val="accent1"/>
+            </a:fillRef>
+            <a:effectRef idx="0">
+              <a:schemeClr val="accent1"/>
+            </a:effectRef>
+            <a:fontRef idx="minor">
+              <a:schemeClr val="lt1"/>
+            </a:fontRef>
+          </p:style>
+          <p:txBody>
+            <a:bodyPr rtlCol="0" anchor="ctr">
+              <a:noAutofit/>
+            </a:bodyPr>
+            <a:lstStyle/>
+            <a:p>
+              <a:pPr algn="ctr"/>
+              <a:r>
+                <a:rPr lang="en-US" sz="1600" dirty="0">
+                  <a:solidFill>
+                    <a:schemeClr val="tx1"/>
+                  </a:solidFill>
+                  <a:latin typeface="Sherman Serif Book"/>
+                </a:rPr>
+                <a:t>Task</a:t>
+              </a:r>
+            </a:p>
+          </p:txBody>
+        </p:sp>
+        <p:sp>
+          <p:nvSpPr>
+            <p:cNvPr id="12" name="Rectangle 11">
+              <a:extLst>
+                <a:ext uri="{FF2B5EF4-FFF2-40B4-BE49-F238E27FC236}">
+                  <a16:creationId xmlns:a16="http://schemas.microsoft.com/office/drawing/2014/main" id="{7C1A9EC1-C45D-453E-8741-491481A96F57}"/>
+                </a:ext>
+              </a:extLst>
+            </p:cNvPr>
+            <p:cNvSpPr/>
+            <p:nvPr/>
+          </p:nvSpPr>
+          <p:spPr>
+            <a:xfrm>
+              <a:off x="7062650" y="2499360"/>
+              <a:ext cx="718323" cy="368401"/>
+            </a:xfrm>
+            <a:prstGeom prst="rect">
+              <a:avLst/>
+            </a:prstGeom>
+            <a:solidFill>
+              <a:srgbClr val="BFBFBF"/>
+            </a:solidFill>
+            <a:ln>
+              <a:noFill/>
+            </a:ln>
+          </p:spPr>
+          <p:style>
+            <a:lnRef idx="2">
+              <a:schemeClr val="accent1">
+                <a:shade val="50000"/>
+              </a:schemeClr>
+            </a:lnRef>
+            <a:fillRef idx="1">
+              <a:schemeClr val="accent1"/>
+            </a:fillRef>
+            <a:effectRef idx="0">
+              <a:schemeClr val="accent1"/>
+            </a:effectRef>
+            <a:fontRef idx="minor">
+              <a:schemeClr val="lt1"/>
+            </a:fontRef>
+          </p:style>
+          <p:txBody>
+            <a:bodyPr rtlCol="0" anchor="ctr">
+              <a:noAutofit/>
+            </a:bodyPr>
+            <a:lstStyle/>
+            <a:p>
+              <a:pPr algn="ctr"/>
+              <a:r>
+                <a:rPr lang="en-US" sz="1600" dirty="0">
+                  <a:solidFill>
+                    <a:schemeClr val="tx1"/>
+                  </a:solidFill>
+                  <a:latin typeface="Sherman Serif Book"/>
+                </a:rPr>
+                <a:t>Cache</a:t>
+              </a:r>
+            </a:p>
+          </p:txBody>
+        </p:sp>
+        <p:sp>
+          <p:nvSpPr>
+            <p:cNvPr id="13" name="Rectangle 12">
+              <a:extLst>
+                <a:ext uri="{FF2B5EF4-FFF2-40B4-BE49-F238E27FC236}">
+                  <a16:creationId xmlns:a16="http://schemas.microsoft.com/office/drawing/2014/main" id="{39878B91-E419-4044-9148-4D70C3694448}"/>
+                </a:ext>
+              </a:extLst>
+            </p:cNvPr>
+            <p:cNvSpPr/>
+            <p:nvPr/>
+          </p:nvSpPr>
+          <p:spPr>
+            <a:xfrm>
+              <a:off x="6063887" y="3773522"/>
+              <a:ext cx="1817369" cy="1393472"/>
+            </a:xfrm>
+            <a:prstGeom prst="rect">
+              <a:avLst/>
+            </a:prstGeom>
+            <a:ln>
+              <a:noFill/>
+            </a:ln>
+          </p:spPr>
+          <p:style>
+            <a:lnRef idx="2">
+              <a:schemeClr val="accent1">
+                <a:shade val="50000"/>
+              </a:schemeClr>
+            </a:lnRef>
+            <a:fillRef idx="1">
+              <a:schemeClr val="accent1"/>
+            </a:fillRef>
+            <a:effectRef idx="0">
+              <a:schemeClr val="accent1"/>
+            </a:effectRef>
+            <a:fontRef idx="minor">
+              <a:schemeClr val="lt1"/>
+            </a:fontRef>
+          </p:style>
+          <p:txBody>
+            <a:bodyPr lIns="182880" tIns="91440" rtlCol="0" anchor="t">
+              <a:noAutofit/>
+            </a:bodyPr>
+            <a:lstStyle/>
+            <a:p>
+              <a:r>
+                <a:rPr lang="en-US" sz="1600" dirty="0">
+                  <a:latin typeface="Sherman Serif Book"/>
+                </a:rPr>
+                <a:t>Worker Node</a:t>
+              </a:r>
+            </a:p>
+          </p:txBody>
+        </p:sp>
+        <p:sp>
+          <p:nvSpPr>
+            <p:cNvPr id="14" name="Rectangle 13">
+              <a:extLst>
+                <a:ext uri="{FF2B5EF4-FFF2-40B4-BE49-F238E27FC236}">
+                  <a16:creationId xmlns:a16="http://schemas.microsoft.com/office/drawing/2014/main" id="{B557D29C-54F5-491A-9371-4F649999910D}"/>
+                </a:ext>
+              </a:extLst>
+            </p:cNvPr>
+            <p:cNvSpPr/>
+            <p:nvPr/>
+          </p:nvSpPr>
+          <p:spPr>
+            <a:xfrm>
+              <a:off x="6193015" y="4174115"/>
+              <a:ext cx="1587958" cy="862991"/>
+            </a:xfrm>
+            <a:prstGeom prst="rect">
+              <a:avLst/>
+            </a:prstGeom>
+            <a:solidFill>
+              <a:srgbClr val="7F7F7F"/>
+            </a:solidFill>
+            <a:ln>
+              <a:noFill/>
+            </a:ln>
+          </p:spPr>
+          <p:style>
+            <a:lnRef idx="2">
+              <a:schemeClr val="accent1">
+                <a:shade val="50000"/>
+              </a:schemeClr>
+            </a:lnRef>
+            <a:fillRef idx="1">
+              <a:schemeClr val="accent1"/>
+            </a:fillRef>
+            <a:effectRef idx="0">
+              <a:schemeClr val="accent1"/>
+            </a:effectRef>
+            <a:fontRef idx="minor">
+              <a:schemeClr val="lt1"/>
+            </a:fontRef>
+          </p:style>
+          <p:txBody>
+            <a:bodyPr tIns="91440" rtlCol="0" anchor="t">
+              <a:noAutofit/>
+            </a:bodyPr>
+            <a:lstStyle/>
+            <a:p>
+              <a:r>
+                <a:rPr lang="en-US" sz="1600" dirty="0">
+                  <a:latin typeface="Sherman Serif Book"/>
+                </a:rPr>
+                <a:t>Executor</a:t>
+              </a:r>
+            </a:p>
+          </p:txBody>
+        </p:sp>
+        <p:sp>
+          <p:nvSpPr>
+            <p:cNvPr id="15" name="Rectangle 14">
+              <a:extLst>
+                <a:ext uri="{FF2B5EF4-FFF2-40B4-BE49-F238E27FC236}">
+                  <a16:creationId xmlns:a16="http://schemas.microsoft.com/office/drawing/2014/main" id="{EDEEA8CD-9CFA-4066-93FA-AAA47FC8B49B}"/>
+                </a:ext>
+              </a:extLst>
+            </p:cNvPr>
+            <p:cNvSpPr/>
+            <p:nvPr/>
+          </p:nvSpPr>
+          <p:spPr>
+            <a:xfrm>
+              <a:off x="6261463" y="4604318"/>
+              <a:ext cx="679268" cy="370986"/>
+            </a:xfrm>
+            <a:prstGeom prst="rect">
+              <a:avLst/>
+            </a:prstGeom>
+            <a:solidFill>
+              <a:srgbClr val="BFBFBF"/>
+            </a:solidFill>
+            <a:ln>
+              <a:noFill/>
+            </a:ln>
+          </p:spPr>
+          <p:style>
+            <a:lnRef idx="2">
+              <a:schemeClr val="accent1">
+                <a:shade val="50000"/>
+              </a:schemeClr>
+            </a:lnRef>
+            <a:fillRef idx="1">
+              <a:schemeClr val="accent1"/>
+            </a:fillRef>
+            <a:effectRef idx="0">
+              <a:schemeClr val="accent1"/>
+            </a:effectRef>
+            <a:fontRef idx="minor">
+              <a:schemeClr val="lt1"/>
+            </a:fontRef>
+          </p:style>
+          <p:txBody>
+            <a:bodyPr rtlCol="0" anchor="ctr">
+              <a:noAutofit/>
+            </a:bodyPr>
+            <a:lstStyle/>
+            <a:p>
+              <a:pPr algn="ctr"/>
+              <a:r>
+                <a:rPr lang="en-US" sz="1600" dirty="0">
+                  <a:solidFill>
+                    <a:schemeClr val="tx1"/>
+                  </a:solidFill>
+                  <a:latin typeface="Sherman Serif Book"/>
+                </a:rPr>
+                <a:t>Task</a:t>
+              </a:r>
+              <a:endParaRPr lang="en-US" sz="1600" dirty="0">
+                <a:latin typeface="Sherman Serif Book"/>
+              </a:endParaRPr>
+            </a:p>
+          </p:txBody>
+        </p:sp>
+        <p:sp>
+          <p:nvSpPr>
+            <p:cNvPr id="16" name="Rectangle 15">
+              <a:extLst>
+                <a:ext uri="{FF2B5EF4-FFF2-40B4-BE49-F238E27FC236}">
+                  <a16:creationId xmlns:a16="http://schemas.microsoft.com/office/drawing/2014/main" id="{25BDB8B7-7B22-44E6-A479-F890FDE96A4A}"/>
+                </a:ext>
+              </a:extLst>
+            </p:cNvPr>
+            <p:cNvSpPr/>
+            <p:nvPr/>
+          </p:nvSpPr>
+          <p:spPr>
+            <a:xfrm>
+              <a:off x="7023234" y="4604318"/>
+              <a:ext cx="679268" cy="370986"/>
+            </a:xfrm>
+            <a:prstGeom prst="rect">
+              <a:avLst/>
+            </a:prstGeom>
+            <a:solidFill>
+              <a:srgbClr val="BFBFBF"/>
+            </a:solidFill>
+            <a:ln>
+              <a:noFill/>
+            </a:ln>
+          </p:spPr>
+          <p:style>
+            <a:lnRef idx="2">
+              <a:schemeClr val="accent1">
+                <a:shade val="50000"/>
+              </a:schemeClr>
+            </a:lnRef>
+            <a:fillRef idx="1">
+              <a:schemeClr val="accent1"/>
+            </a:fillRef>
+            <a:effectRef idx="0">
+              <a:schemeClr val="accent1"/>
+            </a:effectRef>
+            <a:fontRef idx="minor">
+              <a:schemeClr val="lt1"/>
+            </a:fontRef>
+          </p:style>
+          <p:txBody>
+            <a:bodyPr rtlCol="0" anchor="ctr">
+              <a:noAutofit/>
+            </a:bodyPr>
+            <a:lstStyle/>
+            <a:p>
+              <a:pPr algn="ctr"/>
+              <a:r>
+                <a:rPr lang="en-US" sz="1600" dirty="0">
+                  <a:solidFill>
+                    <a:schemeClr val="tx1"/>
+                  </a:solidFill>
+                  <a:latin typeface="Sherman Serif Book"/>
+                </a:rPr>
+                <a:t>Task</a:t>
+              </a:r>
+              <a:endParaRPr lang="en-US" sz="1600" dirty="0">
+                <a:latin typeface="Sherman Serif Book"/>
+              </a:endParaRPr>
+            </a:p>
+          </p:txBody>
+        </p:sp>
+        <p:sp>
+          <p:nvSpPr>
+            <p:cNvPr id="17" name="Rectangle 16">
+              <a:extLst>
+                <a:ext uri="{FF2B5EF4-FFF2-40B4-BE49-F238E27FC236}">
+                  <a16:creationId xmlns:a16="http://schemas.microsoft.com/office/drawing/2014/main" id="{B9177223-1CDA-44DE-8C27-E84069510820}"/>
+                </a:ext>
+              </a:extLst>
+            </p:cNvPr>
+            <p:cNvSpPr/>
+            <p:nvPr/>
+          </p:nvSpPr>
+          <p:spPr>
+            <a:xfrm>
+              <a:off x="7062650" y="4174115"/>
+              <a:ext cx="718323" cy="368401"/>
+            </a:xfrm>
+            <a:prstGeom prst="rect">
+              <a:avLst/>
+            </a:prstGeom>
+            <a:solidFill>
+              <a:srgbClr val="BFBFBF"/>
+            </a:solidFill>
+            <a:ln>
+              <a:noFill/>
+            </a:ln>
+          </p:spPr>
+          <p:style>
+            <a:lnRef idx="2">
+              <a:schemeClr val="accent1">
+                <a:shade val="50000"/>
+              </a:schemeClr>
+            </a:lnRef>
+            <a:fillRef idx="1">
+              <a:schemeClr val="accent1"/>
+            </a:fillRef>
+            <a:effectRef idx="0">
+              <a:schemeClr val="accent1"/>
+            </a:effectRef>
+            <a:fontRef idx="minor">
+              <a:schemeClr val="lt1"/>
+            </a:fontRef>
+          </p:style>
+          <p:txBody>
+            <a:bodyPr rtlCol="0" anchor="ctr">
+              <a:noAutofit/>
+            </a:bodyPr>
+            <a:lstStyle/>
+            <a:p>
+              <a:pPr algn="ctr"/>
+              <a:r>
+                <a:rPr lang="en-US" sz="1600" dirty="0">
+                  <a:solidFill>
+                    <a:schemeClr val="tx1"/>
+                  </a:solidFill>
+                  <a:latin typeface="Sherman Serif Book"/>
+                </a:rPr>
+                <a:t>Cache</a:t>
+              </a:r>
+            </a:p>
+          </p:txBody>
+        </p:sp>
+        <p:cxnSp>
+          <p:nvCxnSpPr>
+            <p:cNvPr id="18" name="Straight Arrow Connector 17">
+              <a:extLst>
+                <a:ext uri="{FF2B5EF4-FFF2-40B4-BE49-F238E27FC236}">
+                  <a16:creationId xmlns:a16="http://schemas.microsoft.com/office/drawing/2014/main" id="{E4F422EB-74D8-46C2-824C-216968CDC3BF}"/>
+                </a:ext>
+              </a:extLst>
+            </p:cNvPr>
+            <p:cNvCxnSpPr/>
+            <p:nvPr/>
+          </p:nvCxnSpPr>
+          <p:spPr>
+            <a:xfrm>
+              <a:off x="2833635" y="3683726"/>
+              <a:ext cx="850091" cy="0"/>
+            </a:xfrm>
+            <a:prstGeom prst="straightConnector1">
+              <a:avLst/>
+            </a:prstGeom>
+            <a:ln w="22225">
+              <a:solidFill>
+                <a:schemeClr val="tx1"/>
+              </a:solidFill>
+              <a:headEnd type="triangle"/>
+              <a:tailEnd type="triangle"/>
+            </a:ln>
+          </p:spPr>
+          <p:style>
+            <a:lnRef idx="1">
+              <a:schemeClr val="accent1"/>
+            </a:lnRef>
+            <a:fillRef idx="0">
+              <a:schemeClr val="accent1"/>
+            </a:fillRef>
+            <a:effectRef idx="0">
+              <a:schemeClr val="accent1"/>
+            </a:effectRef>
+            <a:fontRef idx="minor">
+              <a:schemeClr val="tx1"/>
+            </a:fontRef>
+          </p:style>
+        </p:cxnSp>
+        <p:cxnSp>
+          <p:nvCxnSpPr>
+            <p:cNvPr id="19" name="Straight Arrow Connector 18">
+              <a:extLst>
+                <a:ext uri="{FF2B5EF4-FFF2-40B4-BE49-F238E27FC236}">
+                  <a16:creationId xmlns:a16="http://schemas.microsoft.com/office/drawing/2014/main" id="{BBCCC466-AF81-4518-ABE1-E557C8B93B41}"/>
+                </a:ext>
+              </a:extLst>
+            </p:cNvPr>
+            <p:cNvCxnSpPr/>
+            <p:nvPr/>
+          </p:nvCxnSpPr>
+          <p:spPr>
+            <a:xfrm flipV="1">
+              <a:off x="5338354" y="2838994"/>
+              <a:ext cx="696686" cy="844732"/>
+            </a:xfrm>
+            <a:prstGeom prst="straightConnector1">
+              <a:avLst/>
+            </a:prstGeom>
+            <a:ln w="22225">
+              <a:solidFill>
+                <a:schemeClr val="tx1"/>
+              </a:solidFill>
+              <a:headEnd type="triangle"/>
+              <a:tailEnd type="triangle"/>
+            </a:ln>
+          </p:spPr>
+          <p:style>
+            <a:lnRef idx="1">
+              <a:schemeClr val="accent1"/>
+            </a:lnRef>
+            <a:fillRef idx="0">
+              <a:schemeClr val="accent1"/>
+            </a:fillRef>
+            <a:effectRef idx="0">
+              <a:schemeClr val="accent1"/>
+            </a:effectRef>
+            <a:fontRef idx="minor">
+              <a:schemeClr val="tx1"/>
+            </a:fontRef>
+          </p:style>
+        </p:cxnSp>
+        <p:cxnSp>
+          <p:nvCxnSpPr>
+            <p:cNvPr id="20" name="Straight Arrow Connector 19">
+              <a:extLst>
+                <a:ext uri="{FF2B5EF4-FFF2-40B4-BE49-F238E27FC236}">
+                  <a16:creationId xmlns:a16="http://schemas.microsoft.com/office/drawing/2014/main" id="{B147201E-A213-4A85-BBF9-853E933EDCCF}"/>
+                </a:ext>
+              </a:extLst>
+            </p:cNvPr>
+            <p:cNvCxnSpPr/>
+            <p:nvPr/>
+          </p:nvCxnSpPr>
+          <p:spPr>
+            <a:xfrm>
+              <a:off x="5338354" y="3708278"/>
+              <a:ext cx="696686" cy="844732"/>
+            </a:xfrm>
+            <a:prstGeom prst="straightConnector1">
+              <a:avLst/>
+            </a:prstGeom>
+            <a:ln w="22225">
+              <a:solidFill>
+                <a:schemeClr val="tx1"/>
+              </a:solidFill>
+              <a:headEnd type="triangle"/>
+              <a:tailEnd type="triangle"/>
+            </a:ln>
+          </p:spPr>
+          <p:style>
+            <a:lnRef idx="1">
+              <a:schemeClr val="accent1"/>
+            </a:lnRef>
+            <a:fillRef idx="0">
+              <a:schemeClr val="accent1"/>
+            </a:fillRef>
+            <a:effectRef idx="0">
+              <a:schemeClr val="accent1"/>
+            </a:effectRef>
+            <a:fontRef idx="minor">
+              <a:schemeClr val="tx1"/>
+            </a:fontRef>
+          </p:style>
+        </p:cxnSp>
+        <p:cxnSp>
+          <p:nvCxnSpPr>
+            <p:cNvPr id="21" name="Straight Arrow Connector 20">
+              <a:extLst>
+                <a:ext uri="{FF2B5EF4-FFF2-40B4-BE49-F238E27FC236}">
+                  <a16:creationId xmlns:a16="http://schemas.microsoft.com/office/drawing/2014/main" id="{27E7B787-6530-4DD9-B6BF-517757C5AC14}"/>
+                </a:ext>
+              </a:extLst>
+            </p:cNvPr>
+            <p:cNvCxnSpPr/>
+            <p:nvPr/>
+          </p:nvCxnSpPr>
+          <p:spPr>
+            <a:xfrm flipV="1">
+              <a:off x="7409363" y="3327400"/>
+              <a:ext cx="0" cy="837294"/>
+            </a:xfrm>
+            <a:prstGeom prst="straightConnector1">
+              <a:avLst/>
+            </a:prstGeom>
+            <a:ln w="22225">
+              <a:solidFill>
+                <a:schemeClr val="tx1"/>
+              </a:solidFill>
+              <a:headEnd type="triangle"/>
+              <a:tailEnd type="triangle"/>
+            </a:ln>
+          </p:spPr>
+          <p:style>
+            <a:lnRef idx="1">
+              <a:schemeClr val="accent1"/>
+            </a:lnRef>
+            <a:fillRef idx="0">
+              <a:schemeClr val="accent1"/>
+            </a:fillRef>
+            <a:effectRef idx="0">
+              <a:schemeClr val="accent1"/>
+            </a:effectRef>
+            <a:fontRef idx="minor">
+              <a:schemeClr val="tx1"/>
+            </a:fontRef>
+          </p:style>
+        </p:cxnSp>
+      </p:grpSp>
+    </p:spTree>
+    <p:extLst>
+      <p:ext uri="{BB962C8B-B14F-4D97-AF65-F5344CB8AC3E}">
+        <p14:creationId xmlns:p14="http://schemas.microsoft.com/office/powerpoint/2010/main" val="1451733967"/>
+      </p:ext>
+    </p:extLst>
+  </p:cSld>
+  <p:clrMapOvr>
+    <a:masterClrMapping/>
+  </p:clrMapOvr>
+</p:sld>
+</file>
+
+<file path=ppt/slides/slide2.xml><?xml version="1.0" encoding="utf-8"?>
+<p:sld xmlns:a="http://schemas.openxmlformats.org/drawingml/2006/main" xmlns:r="http://schemas.openxmlformats.org/officeDocument/2006/relationships" xmlns:p="http://schemas.openxmlformats.org/presentationml/2006/main">
+  <p:cSld>
+    <p:spTree>
+      <p:nvGrpSpPr>
+        <p:cNvPr id="1" name=""/>
+        <p:cNvGrpSpPr/>
+        <p:nvPr/>
+      </p:nvGrpSpPr>
+      <p:grpSpPr>
+        <a:xfrm>
+          <a:off x="0" y="0"/>
+          <a:ext cx="0" cy="0"/>
+          <a:chOff x="0" y="0"/>
+          <a:chExt cx="0" cy="0"/>
+        </a:xfrm>
+      </p:grpSpPr>
+      <p:sp>
+        <p:nvSpPr>
+          <p:cNvPr id="2" name="Content Placeholder 1">
+            <a:extLst>
+              <a:ext uri="{FF2B5EF4-FFF2-40B4-BE49-F238E27FC236}">
+                <a16:creationId xmlns:a16="http://schemas.microsoft.com/office/drawing/2014/main" id="{A3C4885A-A1F7-4AA6-906F-DC791C3CE34C}"/>
+              </a:ext>
+            </a:extLst>
+          </p:cNvPr>
+          <p:cNvSpPr>
+            <a:spLocks noGrp="1"/>
+          </p:cNvSpPr>
+          <p:nvPr>
+            <p:ph idx="1"/>
+          </p:nvPr>
+        </p:nvSpPr>
+        <p:spPr/>
+        <p:txBody>
+          <a:bodyPr/>
+          <a:lstStyle/>
+          <a:p>
+            <a:r>
+              <a:rPr lang="en-US" dirty="0"/>
+              <a:t>What is object storage?</a:t>
+            </a:r>
+          </a:p>
+          <a:p>
+            <a:r>
+              <a:rPr lang="en-US" dirty="0" err="1"/>
+              <a:t>Minio</a:t>
+            </a:r>
+            <a:r>
+              <a:rPr lang="en-US" dirty="0"/>
+              <a:t> Architecture</a:t>
+            </a:r>
+          </a:p>
+          <a:p>
+            <a:r>
+              <a:rPr lang="en-US" dirty="0" err="1"/>
+              <a:t>Minio</a:t>
+            </a:r>
+            <a:r>
+              <a:rPr lang="en-US" dirty="0"/>
+              <a:t> Commands</a:t>
+            </a:r>
+          </a:p>
+          <a:p>
+            <a:r>
+              <a:rPr lang="en-US" dirty="0"/>
+              <a:t>What is Spark?</a:t>
+            </a:r>
+          </a:p>
+          <a:p>
+            <a:r>
+              <a:rPr lang="en-US" dirty="0"/>
+              <a:t>Spark Architecture</a:t>
+            </a:r>
+          </a:p>
+          <a:p>
+            <a:r>
+              <a:rPr lang="en-US" dirty="0"/>
+              <a:t>Spark Commands</a:t>
+            </a:r>
+          </a:p>
+        </p:txBody>
+      </p:sp>
+      <p:sp>
+        <p:nvSpPr>
+          <p:cNvPr id="3" name="Title 2">
+            <a:extLst>
+              <a:ext uri="{FF2B5EF4-FFF2-40B4-BE49-F238E27FC236}">
+                <a16:creationId xmlns:a16="http://schemas.microsoft.com/office/drawing/2014/main" id="{69CBB167-7FE9-481B-B3AF-20CD1AB5247D}"/>
+              </a:ext>
+            </a:extLst>
+          </p:cNvPr>
+          <p:cNvSpPr>
+            <a:spLocks noGrp="1"/>
+          </p:cNvSpPr>
+          <p:nvPr>
+            <p:ph type="title"/>
+          </p:nvPr>
+        </p:nvSpPr>
+        <p:spPr/>
+        <p:txBody>
+          <a:bodyPr/>
+          <a:lstStyle/>
+          <a:p>
+            <a:r>
+              <a:rPr lang="en-US" dirty="0"/>
+              <a:t>Agenda</a:t>
+            </a:r>
+          </a:p>
+        </p:txBody>
+      </p:sp>
+    </p:spTree>
+    <p:extLst>
+      <p:ext uri="{BB962C8B-B14F-4D97-AF65-F5344CB8AC3E}">
+        <p14:creationId xmlns:p14="http://schemas.microsoft.com/office/powerpoint/2010/main" val="845839688"/>
+      </p:ext>
+    </p:extLst>
+  </p:cSld>
+  <p:clrMapOvr>
+    <a:masterClrMapping/>
+  </p:clrMapOvr>
+</p:sld>
+</file>
+
+<file path=ppt/slides/slide20.xml><?xml version="1.0" encoding="utf-8"?>
+<p:sld xmlns:a="http://schemas.openxmlformats.org/drawingml/2006/main" xmlns:r="http://schemas.openxmlformats.org/officeDocument/2006/relationships" xmlns:p="http://schemas.openxmlformats.org/presentationml/2006/main">
+  <p:cSld>
+    <p:spTree>
+      <p:nvGrpSpPr>
+        <p:cNvPr id="1" name=""/>
+        <p:cNvGrpSpPr/>
+        <p:nvPr/>
+      </p:nvGrpSpPr>
+      <p:grpSpPr>
+        <a:xfrm>
+          <a:off x="0" y="0"/>
+          <a:ext cx="0" cy="0"/>
+          <a:chOff x="0" y="0"/>
+          <a:chExt cx="0" cy="0"/>
+        </a:xfrm>
+      </p:grpSpPr>
+      <p:sp>
+        <p:nvSpPr>
+          <p:cNvPr id="2" name="Title 1">
+            <a:extLst>
+              <a:ext uri="{FF2B5EF4-FFF2-40B4-BE49-F238E27FC236}">
+                <a16:creationId xmlns:a16="http://schemas.microsoft.com/office/drawing/2014/main" id="{AAC26761-735B-4AE5-AB3C-718D6C6B7D1A}"/>
+              </a:ext>
+            </a:extLst>
+          </p:cNvPr>
+          <p:cNvSpPr>
+            <a:spLocks noGrp="1"/>
+          </p:cNvSpPr>
+          <p:nvPr>
+            <p:ph type="title"/>
+          </p:nvPr>
+        </p:nvSpPr>
+        <p:spPr/>
+        <p:txBody>
+          <a:bodyPr/>
+          <a:lstStyle/>
+          <a:p>
+            <a:r>
+              <a:rPr lang="en-US" dirty="0"/>
+              <a:t>Spark on Yarn Deployment Modes</a:t>
+            </a:r>
+            <a:endParaRPr lang="en-IN" dirty="0"/>
+          </a:p>
+        </p:txBody>
+      </p:sp>
+      <p:sp>
+        <p:nvSpPr>
+          <p:cNvPr id="3" name="Content Placeholder 2">
+            <a:extLst>
+              <a:ext uri="{FF2B5EF4-FFF2-40B4-BE49-F238E27FC236}">
+                <a16:creationId xmlns:a16="http://schemas.microsoft.com/office/drawing/2014/main" id="{A8A0A340-DD64-40B9-A9A2-98AD13295A7F}"/>
+              </a:ext>
+            </a:extLst>
+          </p:cNvPr>
+          <p:cNvSpPr>
+            <a:spLocks noGrp="1"/>
+          </p:cNvSpPr>
+          <p:nvPr>
+            <p:ph idx="1"/>
+          </p:nvPr>
+        </p:nvSpPr>
+        <p:spPr>
+          <a:xfrm>
+            <a:off x="889233" y="1690688"/>
+            <a:ext cx="10515599" cy="2497264"/>
+          </a:xfrm>
+        </p:spPr>
+        <p:txBody>
+          <a:bodyPr>
+            <a:normAutofit/>
+          </a:bodyPr>
+          <a:lstStyle/>
+          <a:p>
+            <a:r>
+              <a:rPr lang="en-US" dirty="0"/>
+              <a:t>Spark on YARN (two modes)</a:t>
+            </a:r>
+          </a:p>
+          <a:p>
+            <a:pPr lvl="1"/>
+            <a:r>
+              <a:rPr lang="en-US" dirty="0"/>
+              <a:t>Spark Driver on Client </a:t>
+            </a:r>
+          </a:p>
+          <a:p>
+            <a:pPr lvl="1"/>
+            <a:r>
+              <a:rPr lang="en-US" dirty="0"/>
+              <a:t>Spark Driver on Cluster—useful for low latency between client and cluster</a:t>
+            </a:r>
+          </a:p>
+        </p:txBody>
+      </p:sp>
+      <p:pic>
+        <p:nvPicPr>
+          <p:cNvPr id="6" name="Picture 5">
+            <a:extLst>
+              <a:ext uri="{FF2B5EF4-FFF2-40B4-BE49-F238E27FC236}">
+                <a16:creationId xmlns:a16="http://schemas.microsoft.com/office/drawing/2014/main" id="{C4E263F8-E211-475D-8138-6A5253907587}"/>
+              </a:ext>
+            </a:extLst>
+          </p:cNvPr>
+          <p:cNvPicPr>
+            <a:picLocks noChangeAspect="1"/>
+          </p:cNvPicPr>
+          <p:nvPr/>
+        </p:nvPicPr>
+        <p:blipFill rotWithShape="1">
+          <a:blip r:embed="rId3"/>
+          <a:srcRect l="1573"/>
+          <a:stretch/>
+        </p:blipFill>
+        <p:spPr>
+          <a:xfrm>
+            <a:off x="3078479" y="4187952"/>
+            <a:ext cx="6208133" cy="2144456"/>
+          </a:xfrm>
+          <a:prstGeom prst="rect">
+            <a:avLst/>
+          </a:prstGeom>
+        </p:spPr>
+      </p:pic>
+    </p:spTree>
+    <p:extLst>
+      <p:ext uri="{BB962C8B-B14F-4D97-AF65-F5344CB8AC3E}">
+        <p14:creationId xmlns:p14="http://schemas.microsoft.com/office/powerpoint/2010/main" val="520587885"/>
+      </p:ext>
+    </p:extLst>
+  </p:cSld>
+  <p:clrMapOvr>
+    <a:masterClrMapping/>
+  </p:clrMapOvr>
+</p:sld>
+</file>
+
+<file path=ppt/slides/slide21.xml><?xml version="1.0" encoding="utf-8"?>
+<p:sld xmlns:a="http://schemas.openxmlformats.org/drawingml/2006/main" xmlns:r="http://schemas.openxmlformats.org/officeDocument/2006/relationships" xmlns:p="http://schemas.openxmlformats.org/presentationml/2006/main">
+  <p:cSld>
+    <p:spTree>
+      <p:nvGrpSpPr>
+        <p:cNvPr id="1" name=""/>
+        <p:cNvGrpSpPr/>
+        <p:nvPr/>
+      </p:nvGrpSpPr>
+      <p:grpSpPr>
+        <a:xfrm>
+          <a:off x="0" y="0"/>
+          <a:ext cx="0" cy="0"/>
+          <a:chOff x="0" y="0"/>
+          <a:chExt cx="0" cy="0"/>
+        </a:xfrm>
+      </p:grpSpPr>
+      <p:sp>
+        <p:nvSpPr>
+          <p:cNvPr id="2" name="Title 1">
+            <a:extLst>
+              <a:ext uri="{FF2B5EF4-FFF2-40B4-BE49-F238E27FC236}">
+                <a16:creationId xmlns:a16="http://schemas.microsoft.com/office/drawing/2014/main" id="{5C269A62-0251-4CDA-AE36-6FFBFF1396BB}"/>
+              </a:ext>
+            </a:extLst>
+          </p:cNvPr>
+          <p:cNvSpPr>
+            <a:spLocks noGrp="1"/>
+          </p:cNvSpPr>
+          <p:nvPr>
+            <p:ph type="title"/>
+          </p:nvPr>
+        </p:nvSpPr>
+        <p:spPr/>
+        <p:txBody>
+          <a:bodyPr/>
+          <a:lstStyle/>
+          <a:p>
+            <a:r>
+              <a:rPr lang="en-US" dirty="0"/>
+              <a:t>Spark vs. MapReduce</a:t>
+            </a:r>
+            <a:endParaRPr lang="en-IN" dirty="0"/>
+          </a:p>
+        </p:txBody>
+      </p:sp>
+      <p:sp>
+        <p:nvSpPr>
+          <p:cNvPr id="3" name="Content Placeholder 2">
+            <a:extLst>
+              <a:ext uri="{FF2B5EF4-FFF2-40B4-BE49-F238E27FC236}">
+                <a16:creationId xmlns:a16="http://schemas.microsoft.com/office/drawing/2014/main" id="{B3B0D1E3-3766-412D-AB33-7E25B35DD14C}"/>
+              </a:ext>
+            </a:extLst>
+          </p:cNvPr>
+          <p:cNvSpPr>
+            <a:spLocks noGrp="1"/>
+          </p:cNvSpPr>
+          <p:nvPr>
+            <p:ph idx="4294967295"/>
+          </p:nvPr>
+        </p:nvSpPr>
+        <p:spPr>
+          <a:xfrm>
+            <a:off x="947957" y="1627464"/>
+            <a:ext cx="10251346" cy="4681896"/>
+          </a:xfrm>
+        </p:spPr>
+        <p:txBody>
+          <a:bodyPr>
+            <a:normAutofit/>
+          </a:bodyPr>
+          <a:lstStyle/>
+          <a:p>
+            <a:r>
+              <a:rPr lang="en-US" dirty="0"/>
+              <a:t>Why is Spark faster?</a:t>
+            </a:r>
+          </a:p>
+          <a:p>
+            <a:pPr lvl="1"/>
+            <a:r>
+              <a:rPr lang="en-US" dirty="0"/>
+              <a:t>Caching data to memory can avoid extra reads from disk</a:t>
+            </a:r>
+          </a:p>
+          <a:p>
+            <a:pPr lvl="1"/>
+            <a:r>
+              <a:rPr lang="en-US" dirty="0"/>
+              <a:t>Scheduling of tasks from 15–20 s to 15–20 ms</a:t>
+            </a:r>
+          </a:p>
+          <a:p>
+            <a:pPr lvl="1"/>
+            <a:r>
+              <a:rPr lang="en-US" dirty="0"/>
+              <a:t>Resources are dedicated the entire life of the application</a:t>
+            </a:r>
+          </a:p>
+          <a:p>
+            <a:pPr lvl="1"/>
+            <a:r>
+              <a:rPr lang="en-US" dirty="0"/>
+              <a:t>Can link multiple maps and reduces together without having to write intermediate data to HDFS</a:t>
+            </a:r>
+          </a:p>
+          <a:p>
+            <a:pPr lvl="1"/>
+            <a:r>
+              <a:rPr lang="en-US" dirty="0"/>
+              <a:t>Every reduce doesn’t require a map</a:t>
+            </a:r>
+          </a:p>
+          <a:p>
+            <a:pPr lvl="1"/>
+            <a:r>
+              <a:rPr lang="en-US" dirty="0"/>
+              <a:t>Like Impala, requires a lot of memory per worker—128 GB</a:t>
+            </a:r>
+          </a:p>
+          <a:p>
+            <a:r>
+              <a:rPr lang="en-US" dirty="0"/>
+              <a:t>Does not need HDFS, does not need YARN.</a:t>
+            </a:r>
+          </a:p>
+        </p:txBody>
+      </p:sp>
+    </p:spTree>
+    <p:extLst>
+      <p:ext uri="{BB962C8B-B14F-4D97-AF65-F5344CB8AC3E}">
+        <p14:creationId xmlns:p14="http://schemas.microsoft.com/office/powerpoint/2010/main" val="3975475598"/>
+      </p:ext>
+    </p:extLst>
+  </p:cSld>
+  <p:clrMapOvr>
+    <a:masterClrMapping/>
+  </p:clrMapOvr>
+</p:sld>
+</file>
+
+<file path=ppt/slides/slide22.xml><?xml version="1.0" encoding="utf-8"?>
+<p:sld xmlns:a="http://schemas.openxmlformats.org/drawingml/2006/main" xmlns:r="http://schemas.openxmlformats.org/officeDocument/2006/relationships" xmlns:p="http://schemas.openxmlformats.org/presentationml/2006/main">
+  <p:cSld>
+    <p:spTree>
+      <p:nvGrpSpPr>
+        <p:cNvPr id="1" name=""/>
+        <p:cNvGrpSpPr/>
+        <p:nvPr/>
+      </p:nvGrpSpPr>
+      <p:grpSpPr>
+        <a:xfrm>
+          <a:off x="0" y="0"/>
+          <a:ext cx="0" cy="0"/>
+          <a:chOff x="0" y="0"/>
+          <a:chExt cx="0" cy="0"/>
+        </a:xfrm>
+      </p:grpSpPr>
+      <p:sp>
+        <p:nvSpPr>
+          <p:cNvPr id="5" name="Title 4">
+            <a:extLst>
+              <a:ext uri="{FF2B5EF4-FFF2-40B4-BE49-F238E27FC236}">
+                <a16:creationId xmlns:a16="http://schemas.microsoft.com/office/drawing/2014/main" id="{390D10E8-0935-4D86-BF2D-D963F3B107A7}"/>
+              </a:ext>
+            </a:extLst>
+          </p:cNvPr>
+          <p:cNvSpPr>
+            <a:spLocks noGrp="1"/>
+          </p:cNvSpPr>
+          <p:nvPr>
+            <p:ph type="title"/>
+          </p:nvPr>
+        </p:nvSpPr>
+        <p:spPr/>
+        <p:txBody>
+          <a:bodyPr/>
+          <a:lstStyle/>
+          <a:p>
+            <a:endParaRPr lang="en-US"/>
+          </a:p>
+        </p:txBody>
+      </p:sp>
+      <p:sp>
+        <p:nvSpPr>
+          <p:cNvPr id="6" name="Content Placeholder 5">
+            <a:extLst>
+              <a:ext uri="{FF2B5EF4-FFF2-40B4-BE49-F238E27FC236}">
+                <a16:creationId xmlns:a16="http://schemas.microsoft.com/office/drawing/2014/main" id="{F8CBEFFB-DDB2-43BA-A4A1-3529C13D420C}"/>
+              </a:ext>
+            </a:extLst>
+          </p:cNvPr>
+          <p:cNvSpPr>
+            <a:spLocks noGrp="1"/>
+          </p:cNvSpPr>
+          <p:nvPr>
+            <p:ph idx="1"/>
+          </p:nvPr>
+        </p:nvSpPr>
+        <p:spPr/>
+        <p:txBody>
+          <a:bodyPr/>
+          <a:lstStyle/>
+          <a:p>
+            <a:endParaRPr lang="en-US"/>
+          </a:p>
+        </p:txBody>
+      </p:sp>
+    </p:spTree>
+    <p:extLst>
+      <p:ext uri="{BB962C8B-B14F-4D97-AF65-F5344CB8AC3E}">
+        <p14:creationId xmlns:p14="http://schemas.microsoft.com/office/powerpoint/2010/main" val="3754660965"/>
+      </p:ext>
+    </p:extLst>
+  </p:cSld>
+  <p:clrMapOvr>
+    <a:masterClrMapping/>
+  </p:clrMapOvr>
+</p:sld>
+</file>
+
+<file path=ppt/slides/slide3.xml><?xml version="1.0" encoding="utf-8"?>
+<p:sld xmlns:a="http://schemas.openxmlformats.org/drawingml/2006/main" xmlns:r="http://schemas.openxmlformats.org/officeDocument/2006/relationships" xmlns:p="http://schemas.openxmlformats.org/presentationml/2006/main">
+  <p:cSld>
+    <p:spTree>
+      <p:nvGrpSpPr>
+        <p:cNvPr id="1" name=""/>
+        <p:cNvGrpSpPr/>
+        <p:nvPr/>
+      </p:nvGrpSpPr>
+      <p:grpSpPr>
+        <a:xfrm>
+          <a:off x="0" y="0"/>
+          <a:ext cx="0" cy="0"/>
+          <a:chOff x="0" y="0"/>
+          <a:chExt cx="0" cy="0"/>
+        </a:xfrm>
+      </p:grpSpPr>
+      <p:sp>
+        <p:nvSpPr>
+          <p:cNvPr id="4" name="Title 3">
+            <a:extLst>
+              <a:ext uri="{FF2B5EF4-FFF2-40B4-BE49-F238E27FC236}">
+                <a16:creationId xmlns:a16="http://schemas.microsoft.com/office/drawing/2014/main" id="{A6A1AD83-AC08-4358-9195-92A331825FA7}"/>
+              </a:ext>
+            </a:extLst>
+          </p:cNvPr>
+          <p:cNvSpPr>
+            <a:spLocks noGrp="1"/>
+          </p:cNvSpPr>
+          <p:nvPr>
+            <p:ph type="ctrTitle"/>
+          </p:nvPr>
+        </p:nvSpPr>
+        <p:spPr/>
+        <p:txBody>
+          <a:bodyPr/>
+          <a:lstStyle/>
+          <a:p>
+            <a:r>
+              <a:rPr lang="en-US" dirty="0" err="1"/>
+              <a:t>Minio</a:t>
+            </a:r>
+            <a:br>
+              <a:rPr lang="en-US" dirty="0"/>
+            </a:br>
+            <a:r>
+              <a:rPr lang="en-US" dirty="0"/>
+              <a:t>Object Storage</a:t>
+            </a:r>
+          </a:p>
+        </p:txBody>
+      </p:sp>
+      <p:sp>
+        <p:nvSpPr>
+          <p:cNvPr id="5" name="Subtitle 4">
+            <a:extLst>
+              <a:ext uri="{FF2B5EF4-FFF2-40B4-BE49-F238E27FC236}">
+                <a16:creationId xmlns:a16="http://schemas.microsoft.com/office/drawing/2014/main" id="{B926AD27-6E0A-4746-81ED-AB01510B39C0}"/>
+              </a:ext>
+            </a:extLst>
+          </p:cNvPr>
+          <p:cNvSpPr>
+            <a:spLocks noGrp="1"/>
+          </p:cNvSpPr>
+          <p:nvPr>
+            <p:ph type="subTitle" idx="1"/>
+          </p:nvPr>
+        </p:nvSpPr>
+        <p:spPr/>
+        <p:txBody>
+          <a:bodyPr/>
+          <a:lstStyle/>
+          <a:p>
+            <a:r>
+              <a:rPr lang="en-US" dirty="0"/>
+              <a:t>With </a:t>
+            </a:r>
+            <a:r>
+              <a:rPr lang="en-US" dirty="0" err="1"/>
+              <a:t>Minio</a:t>
+            </a:r>
+            <a:endParaRPr lang="en-US" dirty="0"/>
+          </a:p>
+        </p:txBody>
+      </p:sp>
+      <p:pic>
+        <p:nvPicPr>
+          <p:cNvPr id="3074" name="Picture 2">
+            <a:extLst>
+              <a:ext uri="{FF2B5EF4-FFF2-40B4-BE49-F238E27FC236}">
+                <a16:creationId xmlns:a16="http://schemas.microsoft.com/office/drawing/2014/main" id="{0AF43511-124B-4365-A6AA-586A23958D1B}"/>
+              </a:ext>
+            </a:extLst>
+          </p:cNvPr>
+          <p:cNvPicPr>
+            <a:picLocks noChangeAspect="1" noChangeArrowheads="1"/>
+          </p:cNvPicPr>
+          <p:nvPr/>
+        </p:nvPicPr>
+        <p:blipFill>
+          <a:blip r:embed="rId2">
+            <a:extLst>
+              <a:ext uri="{28A0092B-C50C-407E-A947-70E740481C1C}">
+                <a14:useLocalDpi xmlns:a14="http://schemas.microsoft.com/office/drawing/2010/main" val="0"/>
+              </a:ext>
+            </a:extLst>
+          </a:blip>
+          <a:srcRect/>
+          <a:stretch>
+            <a:fillRect/>
+          </a:stretch>
+        </p:blipFill>
+        <p:spPr bwMode="auto">
+          <a:xfrm>
+            <a:off x="7787522" y="3177520"/>
+            <a:ext cx="2857500" cy="1238250"/>
+          </a:xfrm>
+          <a:prstGeom prst="rect">
+            <a:avLst/>
+          </a:prstGeom>
+          <a:noFill/>
+          <a:extLst>
+            <a:ext uri="{909E8E84-426E-40DD-AFC4-6F175D3DCCD1}">
+              <a14:hiddenFill xmlns:a14="http://schemas.microsoft.com/office/drawing/2010/main">
+                <a:solidFill>
+                  <a:srgbClr val="FFFFFF"/>
+                </a:solidFill>
+              </a14:hiddenFill>
+            </a:ext>
+          </a:extLst>
+        </p:spPr>
+      </p:pic>
+    </p:spTree>
+    <p:extLst>
+      <p:ext uri="{BB962C8B-B14F-4D97-AF65-F5344CB8AC3E}">
+        <p14:creationId xmlns:p14="http://schemas.microsoft.com/office/powerpoint/2010/main" val="1629303947"/>
+      </p:ext>
+    </p:extLst>
+  </p:cSld>
+  <p:clrMapOvr>
+    <a:masterClrMapping/>
+  </p:clrMapOvr>
+</p:sld>
+</file>
+
+<file path=ppt/slides/slide4.xml><?xml version="1.0" encoding="utf-8"?>
+<p:sld xmlns:a="http://schemas.openxmlformats.org/drawingml/2006/main" xmlns:r="http://schemas.openxmlformats.org/officeDocument/2006/relationships" xmlns:p="http://schemas.openxmlformats.org/presentationml/2006/main">
+  <p:cSld>
+    <p:spTree>
+      <p:nvGrpSpPr>
+        <p:cNvPr id="1" name=""/>
+        <p:cNvGrpSpPr/>
+        <p:nvPr/>
+      </p:nvGrpSpPr>
+      <p:grpSpPr>
+        <a:xfrm>
+          <a:off x="0" y="0"/>
+          <a:ext cx="0" cy="0"/>
+          <a:chOff x="0" y="0"/>
+          <a:chExt cx="0" cy="0"/>
+        </a:xfrm>
+      </p:grpSpPr>
+      <p:sp>
+        <p:nvSpPr>
+          <p:cNvPr id="5" name="Title 4">
+            <a:extLst>
+              <a:ext uri="{FF2B5EF4-FFF2-40B4-BE49-F238E27FC236}">
+                <a16:creationId xmlns:a16="http://schemas.microsoft.com/office/drawing/2014/main" id="{117E1478-BDB9-44DB-8170-CD1BD12EA311}"/>
+              </a:ext>
+            </a:extLst>
+          </p:cNvPr>
+          <p:cNvSpPr>
+            <a:spLocks noGrp="1"/>
+          </p:cNvSpPr>
+          <p:nvPr>
+            <p:ph type="title"/>
+          </p:nvPr>
+        </p:nvSpPr>
+        <p:spPr/>
+        <p:txBody>
+          <a:bodyPr/>
+          <a:lstStyle/>
+          <a:p>
+            <a:r>
+              <a:rPr lang="en-US" dirty="0"/>
+              <a:t>What is Object Storage</a:t>
+            </a:r>
+          </a:p>
+        </p:txBody>
+      </p:sp>
+      <p:sp>
+        <p:nvSpPr>
+          <p:cNvPr id="6" name="Content Placeholder 5">
+            <a:extLst>
+              <a:ext uri="{FF2B5EF4-FFF2-40B4-BE49-F238E27FC236}">
+                <a16:creationId xmlns:a16="http://schemas.microsoft.com/office/drawing/2014/main" id="{A5A16D34-0549-4424-A0B3-01F5E0A85B2A}"/>
+              </a:ext>
+            </a:extLst>
+          </p:cNvPr>
+          <p:cNvSpPr>
+            <a:spLocks noGrp="1"/>
+          </p:cNvSpPr>
+          <p:nvPr>
+            <p:ph idx="1"/>
+          </p:nvPr>
+        </p:nvSpPr>
+        <p:spPr/>
+        <p:txBody>
+          <a:bodyPr/>
+          <a:lstStyle/>
+          <a:p>
+            <a:r>
+              <a:rPr lang="en-US" dirty="0"/>
+              <a:t>Cloud-based Network-Attached storage</a:t>
+            </a:r>
+          </a:p>
+          <a:p>
+            <a:r>
+              <a:rPr lang="en-US" dirty="0"/>
+              <a:t>Client uses an API such as the AWS S3 API to get and put objects.</a:t>
+            </a:r>
+          </a:p>
+          <a:p>
+            <a:endParaRPr lang="en-US" dirty="0"/>
+          </a:p>
+        </p:txBody>
+      </p:sp>
+    </p:spTree>
+    <p:extLst>
+      <p:ext uri="{BB962C8B-B14F-4D97-AF65-F5344CB8AC3E}">
+        <p14:creationId xmlns:p14="http://schemas.microsoft.com/office/powerpoint/2010/main" val="2678006083"/>
+      </p:ext>
+    </p:extLst>
+  </p:cSld>
+  <p:clrMapOvr>
+    <a:masterClrMapping/>
+  </p:clrMapOvr>
+</p:sld>
+</file>
+
+<file path=ppt/slides/slide5.xml><?xml version="1.0" encoding="utf-8"?>
+<p:sld xmlns:a="http://schemas.openxmlformats.org/drawingml/2006/main" xmlns:r="http://schemas.openxmlformats.org/officeDocument/2006/relationships" xmlns:p="http://schemas.openxmlformats.org/presentationml/2006/main">
+  <p:cSld>
+    <p:spTree>
+      <p:nvGrpSpPr>
+        <p:cNvPr id="1" name=""/>
+        <p:cNvGrpSpPr/>
+        <p:nvPr/>
+      </p:nvGrpSpPr>
+      <p:grpSpPr>
+        <a:xfrm>
+          <a:off x="0" y="0"/>
+          <a:ext cx="0" cy="0"/>
+          <a:chOff x="0" y="0"/>
+          <a:chExt cx="0" cy="0"/>
+        </a:xfrm>
+      </p:grpSpPr>
+      <p:sp>
+        <p:nvSpPr>
+          <p:cNvPr id="2" name="Title 1">
+            <a:extLst>
+              <a:ext uri="{FF2B5EF4-FFF2-40B4-BE49-F238E27FC236}">
+                <a16:creationId xmlns:a16="http://schemas.microsoft.com/office/drawing/2014/main" id="{28F42F66-3142-4D1A-B091-496ADEBB921A}"/>
+              </a:ext>
+            </a:extLst>
+          </p:cNvPr>
+          <p:cNvSpPr>
+            <a:spLocks noGrp="1"/>
+          </p:cNvSpPr>
+          <p:nvPr>
+            <p:ph type="title"/>
+          </p:nvPr>
+        </p:nvSpPr>
+        <p:spPr/>
+        <p:txBody>
+          <a:bodyPr/>
+          <a:lstStyle/>
+          <a:p>
+            <a:r>
+              <a:rPr lang="en-US" dirty="0"/>
+              <a:t>Use Cases</a:t>
+            </a:r>
+          </a:p>
+        </p:txBody>
+      </p:sp>
+      <p:sp>
+        <p:nvSpPr>
+          <p:cNvPr id="3" name="Content Placeholder 2">
+            <a:extLst>
+              <a:ext uri="{FF2B5EF4-FFF2-40B4-BE49-F238E27FC236}">
+                <a16:creationId xmlns:a16="http://schemas.microsoft.com/office/drawing/2014/main" id="{5E473889-8C48-4777-A17A-8DCD8BC71678}"/>
+              </a:ext>
+            </a:extLst>
+          </p:cNvPr>
+          <p:cNvSpPr>
+            <a:spLocks noGrp="1"/>
+          </p:cNvSpPr>
+          <p:nvPr>
+            <p:ph idx="1"/>
+          </p:nvPr>
+        </p:nvSpPr>
+        <p:spPr/>
+        <p:txBody>
+          <a:bodyPr/>
+          <a:lstStyle/>
+          <a:p>
+            <a:endParaRPr lang="en-US" dirty="0"/>
+          </a:p>
+        </p:txBody>
+      </p:sp>
+    </p:spTree>
+    <p:extLst>
+      <p:ext uri="{BB962C8B-B14F-4D97-AF65-F5344CB8AC3E}">
+        <p14:creationId xmlns:p14="http://schemas.microsoft.com/office/powerpoint/2010/main" val="3928346350"/>
+      </p:ext>
+    </p:extLst>
+  </p:cSld>
+  <p:clrMapOvr>
+    <a:masterClrMapping/>
+  </p:clrMapOvr>
+</p:sld>
+</file>
+
+<file path=ppt/slides/slide6.xml><?xml version="1.0" encoding="utf-8"?>
+<p:sld xmlns:a="http://schemas.openxmlformats.org/drawingml/2006/main" xmlns:r="http://schemas.openxmlformats.org/officeDocument/2006/relationships" xmlns:p="http://schemas.openxmlformats.org/presentationml/2006/main">
+  <p:cSld>
+    <p:spTree>
+      <p:nvGrpSpPr>
+        <p:cNvPr id="1" name=""/>
+        <p:cNvGrpSpPr/>
+        <p:nvPr/>
+      </p:nvGrpSpPr>
+      <p:grpSpPr>
+        <a:xfrm>
+          <a:off x="0" y="0"/>
+          <a:ext cx="0" cy="0"/>
+          <a:chOff x="0" y="0"/>
+          <a:chExt cx="0" cy="0"/>
+        </a:xfrm>
+      </p:grpSpPr>
+      <p:sp>
+        <p:nvSpPr>
+          <p:cNvPr id="2" name="Title 1">
+            <a:extLst>
+              <a:ext uri="{FF2B5EF4-FFF2-40B4-BE49-F238E27FC236}">
+                <a16:creationId xmlns:a16="http://schemas.microsoft.com/office/drawing/2014/main" id="{89D8D11E-4C16-4716-B076-FD1631A83A49}"/>
+              </a:ext>
+            </a:extLst>
+          </p:cNvPr>
+          <p:cNvSpPr>
+            <a:spLocks noGrp="1"/>
+          </p:cNvSpPr>
+          <p:nvPr>
+            <p:ph type="title"/>
+          </p:nvPr>
+        </p:nvSpPr>
+        <p:spPr/>
+        <p:txBody>
+          <a:bodyPr/>
+          <a:lstStyle/>
+          <a:p>
+            <a:r>
+              <a:rPr lang="en-US" dirty="0" err="1"/>
+              <a:t>Minio</a:t>
+            </a:r>
+            <a:r>
+              <a:rPr lang="en-US" dirty="0"/>
+              <a:t> Features</a:t>
+            </a:r>
+          </a:p>
+        </p:txBody>
+      </p:sp>
+      <p:sp>
+        <p:nvSpPr>
+          <p:cNvPr id="3" name="Content Placeholder 2">
+            <a:extLst>
+              <a:ext uri="{FF2B5EF4-FFF2-40B4-BE49-F238E27FC236}">
+                <a16:creationId xmlns:a16="http://schemas.microsoft.com/office/drawing/2014/main" id="{8B9196C8-E393-45C0-B58F-F27D6AE21D37}"/>
+              </a:ext>
+            </a:extLst>
+          </p:cNvPr>
+          <p:cNvSpPr>
+            <a:spLocks noGrp="1"/>
+          </p:cNvSpPr>
+          <p:nvPr>
+            <p:ph idx="1"/>
+          </p:nvPr>
+        </p:nvSpPr>
+        <p:spPr/>
+        <p:txBody>
+          <a:bodyPr/>
+          <a:lstStyle/>
+          <a:p>
+            <a:r>
+              <a:rPr lang="en-US" dirty="0" err="1"/>
+              <a:t>Minio</a:t>
+            </a:r>
+            <a:r>
+              <a:rPr lang="en-US" dirty="0"/>
+              <a:t> high-performance object storage</a:t>
+            </a:r>
+          </a:p>
+          <a:p>
+            <a:r>
+              <a:rPr lang="en-US" dirty="0"/>
+              <a:t>Used as an HDFS replacement </a:t>
+            </a:r>
+          </a:p>
+          <a:p>
+            <a:r>
+              <a:rPr lang="en-US" dirty="0"/>
+              <a:t>Tiny, fast with little overhead. Focus on performance.</a:t>
+            </a:r>
+          </a:p>
+          <a:p>
+            <a:r>
+              <a:rPr lang="en-US" dirty="0"/>
+              <a:t>Consistent, Distributed and Available</a:t>
+            </a:r>
+          </a:p>
+          <a:p>
+            <a:r>
+              <a:rPr lang="en-US" dirty="0"/>
+              <a:t>Active-Active replication</a:t>
+            </a:r>
+          </a:p>
+          <a:p>
+            <a:r>
+              <a:rPr lang="en-US" dirty="0"/>
+              <a:t>Scale out via server pools</a:t>
+            </a:r>
+          </a:p>
+          <a:p>
+            <a:endParaRPr lang="en-US" dirty="0"/>
+          </a:p>
+        </p:txBody>
+      </p:sp>
+    </p:spTree>
+    <p:extLst>
+      <p:ext uri="{BB962C8B-B14F-4D97-AF65-F5344CB8AC3E}">
+        <p14:creationId xmlns:p14="http://schemas.microsoft.com/office/powerpoint/2010/main" val="223390025"/>
+      </p:ext>
+    </p:extLst>
+  </p:cSld>
+  <p:clrMapOvr>
+    <a:masterClrMapping/>
+  </p:clrMapOvr>
+</p:sld>
+</file>
+
+<file path=ppt/slides/slide7.xml><?xml version="1.0" encoding="utf-8"?>
+<p:sld xmlns:a="http://schemas.openxmlformats.org/drawingml/2006/main" xmlns:r="http://schemas.openxmlformats.org/officeDocument/2006/relationships" xmlns:p="http://schemas.openxmlformats.org/presentationml/2006/main">
+  <p:cSld>
+    <p:spTree>
+      <p:nvGrpSpPr>
+        <p:cNvPr id="1" name=""/>
+        <p:cNvGrpSpPr/>
+        <p:nvPr/>
+      </p:nvGrpSpPr>
+      <p:grpSpPr>
+        <a:xfrm>
+          <a:off x="0" y="0"/>
+          <a:ext cx="0" cy="0"/>
+          <a:chOff x="0" y="0"/>
+          <a:chExt cx="0" cy="0"/>
+        </a:xfrm>
+      </p:grpSpPr>
+      <p:sp>
+        <p:nvSpPr>
+          <p:cNvPr id="2" name="Title 1">
+            <a:extLst>
+              <a:ext uri="{FF2B5EF4-FFF2-40B4-BE49-F238E27FC236}">
+                <a16:creationId xmlns:a16="http://schemas.microsoft.com/office/drawing/2014/main" id="{87C736B9-CE43-4D72-8DCD-8B5ADEE1D242}"/>
+              </a:ext>
+            </a:extLst>
+          </p:cNvPr>
+          <p:cNvSpPr>
+            <a:spLocks noGrp="1"/>
+          </p:cNvSpPr>
+          <p:nvPr>
+            <p:ph type="title"/>
+          </p:nvPr>
+        </p:nvSpPr>
+        <p:spPr/>
+        <p:txBody>
+          <a:bodyPr/>
+          <a:lstStyle/>
+          <a:p>
+            <a:r>
+              <a:rPr lang="en-US" dirty="0" err="1"/>
+              <a:t>Minio</a:t>
+            </a:r>
+            <a:r>
+              <a:rPr lang="en-US" dirty="0"/>
+              <a:t> Distributed mode</a:t>
+            </a:r>
+          </a:p>
+        </p:txBody>
+      </p:sp>
+      <p:sp>
+        <p:nvSpPr>
+          <p:cNvPr id="3" name="Content Placeholder 2">
+            <a:extLst>
+              <a:ext uri="{FF2B5EF4-FFF2-40B4-BE49-F238E27FC236}">
+                <a16:creationId xmlns:a16="http://schemas.microsoft.com/office/drawing/2014/main" id="{62E3FBC4-0318-46F8-B146-2108264B60DF}"/>
+              </a:ext>
+            </a:extLst>
+          </p:cNvPr>
+          <p:cNvSpPr>
+            <a:spLocks noGrp="1"/>
+          </p:cNvSpPr>
+          <p:nvPr>
+            <p:ph idx="1"/>
+          </p:nvPr>
+        </p:nvSpPr>
+        <p:spPr/>
+        <p:txBody>
+          <a:bodyPr/>
+          <a:lstStyle/>
+          <a:p>
+            <a:r>
+              <a:rPr lang="en-US" dirty="0"/>
+              <a:t>Pool multiple disks, even on different hosts into a single server</a:t>
+            </a:r>
+          </a:p>
+          <a:p>
+            <a:r>
+              <a:rPr lang="en-US" dirty="0"/>
+              <a:t>The client sees this as a single instance</a:t>
+            </a:r>
+          </a:p>
+          <a:p>
+            <a:r>
+              <a:rPr lang="en-US" dirty="0"/>
+              <a:t>Follows strict read-after-write and list-after-write consistency model for all i/o operations. </a:t>
+            </a:r>
+          </a:p>
+          <a:p>
+            <a:r>
+              <a:rPr lang="en-US" dirty="0"/>
+              <a:t>Erasure code protection ensures</a:t>
+            </a:r>
+            <a:br>
+              <a:rPr lang="en-US" dirty="0"/>
+            </a:br>
+            <a:r>
+              <a:rPr lang="en-US" dirty="0"/>
+              <a:t>50% of disks can be lost without</a:t>
+            </a:r>
+            <a:br>
+              <a:rPr lang="en-US" dirty="0"/>
+            </a:br>
+            <a:r>
+              <a:rPr lang="en-US" dirty="0"/>
+              <a:t>data loss</a:t>
+            </a:r>
+          </a:p>
+          <a:p>
+            <a:endParaRPr lang="en-US" dirty="0"/>
+          </a:p>
+        </p:txBody>
+      </p:sp>
+      <p:pic>
+        <p:nvPicPr>
+          <p:cNvPr id="1026" name="Picture 2">
+            <a:extLst>
+              <a:ext uri="{FF2B5EF4-FFF2-40B4-BE49-F238E27FC236}">
+                <a16:creationId xmlns:a16="http://schemas.microsoft.com/office/drawing/2014/main" id="{D381F33D-71CD-4B64-9A15-C1EDB13C224A}"/>
+              </a:ext>
+            </a:extLst>
+          </p:cNvPr>
+          <p:cNvPicPr>
+            <a:picLocks noChangeAspect="1" noChangeArrowheads="1"/>
+          </p:cNvPicPr>
+          <p:nvPr/>
+        </p:nvPicPr>
+        <p:blipFill>
+          <a:blip r:embed="rId2">
+            <a:extLst>
+              <a:ext uri="{28A0092B-C50C-407E-A947-70E740481C1C}">
+                <a14:useLocalDpi xmlns:a14="http://schemas.microsoft.com/office/drawing/2010/main" val="0"/>
+              </a:ext>
+            </a:extLst>
+          </a:blip>
+          <a:srcRect/>
+          <a:stretch>
+            <a:fillRect/>
+          </a:stretch>
+        </p:blipFill>
+        <p:spPr bwMode="auto">
+          <a:xfrm>
+            <a:off x="6096000" y="3429000"/>
+            <a:ext cx="6096000" cy="3429000"/>
+          </a:xfrm>
+          <a:prstGeom prst="rect">
+            <a:avLst/>
+          </a:prstGeom>
+          <a:noFill/>
+          <a:extLst>
+            <a:ext uri="{909E8E84-426E-40DD-AFC4-6F175D3DCCD1}">
+              <a14:hiddenFill xmlns:a14="http://schemas.microsoft.com/office/drawing/2010/main">
+                <a:solidFill>
+                  <a:srgbClr val="FFFFFF"/>
+                </a:solidFill>
+              </a14:hiddenFill>
+            </a:ext>
+          </a:extLst>
+        </p:spPr>
+      </p:pic>
+    </p:spTree>
+    <p:extLst>
+      <p:ext uri="{BB962C8B-B14F-4D97-AF65-F5344CB8AC3E}">
+        <p14:creationId xmlns:p14="http://schemas.microsoft.com/office/powerpoint/2010/main" val="3206478235"/>
+      </p:ext>
+    </p:extLst>
+  </p:cSld>
+  <p:clrMapOvr>
+    <a:masterClrMapping/>
+  </p:clrMapOvr>
+</p:sld>
+</file>
+
+<file path=ppt/slides/slide8.xml><?xml version="1.0" encoding="utf-8"?>
+<p:sld xmlns:a="http://schemas.openxmlformats.org/drawingml/2006/main" xmlns:r="http://schemas.openxmlformats.org/officeDocument/2006/relationships" xmlns:p="http://schemas.openxmlformats.org/presentationml/2006/main">
+  <p:cSld>
+    <p:spTree>
+      <p:nvGrpSpPr>
+        <p:cNvPr id="1" name=""/>
+        <p:cNvGrpSpPr/>
+        <p:nvPr/>
+      </p:nvGrpSpPr>
+      <p:grpSpPr>
+        <a:xfrm>
+          <a:off x="0" y="0"/>
+          <a:ext cx="0" cy="0"/>
+          <a:chOff x="0" y="0"/>
+          <a:chExt cx="0" cy="0"/>
+        </a:xfrm>
+      </p:grpSpPr>
+      <p:sp>
+        <p:nvSpPr>
+          <p:cNvPr id="2" name="Title 1">
+            <a:extLst>
+              <a:ext uri="{FF2B5EF4-FFF2-40B4-BE49-F238E27FC236}">
+                <a16:creationId xmlns:a16="http://schemas.microsoft.com/office/drawing/2014/main" id="{16ACC844-E27F-49E0-86E1-FE8912895562}"/>
+              </a:ext>
+            </a:extLst>
+          </p:cNvPr>
+          <p:cNvSpPr>
+            <a:spLocks noGrp="1"/>
+          </p:cNvSpPr>
+          <p:nvPr>
+            <p:ph type="title"/>
+          </p:nvPr>
+        </p:nvSpPr>
+        <p:spPr/>
+        <p:txBody>
+          <a:bodyPr/>
+          <a:lstStyle/>
+          <a:p>
+            <a:r>
+              <a:rPr lang="en-US" dirty="0"/>
+              <a:t>Erasure Code Protection</a:t>
+            </a:r>
+          </a:p>
+        </p:txBody>
+      </p:sp>
+      <p:sp>
+        <p:nvSpPr>
+          <p:cNvPr id="3" name="Content Placeholder 2">
+            <a:extLst>
+              <a:ext uri="{FF2B5EF4-FFF2-40B4-BE49-F238E27FC236}">
+                <a16:creationId xmlns:a16="http://schemas.microsoft.com/office/drawing/2014/main" id="{0643FCB3-D8CD-4E00-BF91-E2C12FD3694A}"/>
+              </a:ext>
+            </a:extLst>
+          </p:cNvPr>
+          <p:cNvSpPr>
+            <a:spLocks noGrp="1"/>
+          </p:cNvSpPr>
+          <p:nvPr>
+            <p:ph idx="1"/>
+          </p:nvPr>
+        </p:nvSpPr>
+        <p:spPr/>
+        <p:txBody>
+          <a:bodyPr/>
+          <a:lstStyle/>
+          <a:p>
+            <a:r>
+              <a:rPr lang="en-US" dirty="0"/>
+              <a:t>File is broken into blocks</a:t>
+            </a:r>
+          </a:p>
+          <a:p>
+            <a:r>
+              <a:rPr lang="en-US" dirty="0"/>
+              <a:t>Block are expanded to include redundant data pieces</a:t>
+            </a:r>
+          </a:p>
+          <a:p>
+            <a:r>
+              <a:rPr lang="en-US" dirty="0"/>
+              <a:t>Blocks are distributed to disks</a:t>
+            </a:r>
+          </a:p>
+          <a:p>
+            <a:r>
+              <a:rPr lang="en-US" dirty="0"/>
+              <a:t>In the event of failure, data can be reconstructed from the redundant pieces in each block.</a:t>
+            </a:r>
+          </a:p>
+          <a:p>
+            <a:r>
+              <a:rPr lang="en-US" dirty="0"/>
+              <a:t>Files are protected without full replication!</a:t>
+            </a:r>
+          </a:p>
+          <a:p>
+            <a:r>
+              <a:rPr lang="en-US" dirty="0">
+                <a:hlinkClick r:id="rId2"/>
+              </a:rPr>
+              <a:t>https://min.io/product/erasure-code-calculator</a:t>
+            </a:r>
+            <a:r>
+              <a:rPr lang="en-US" dirty="0"/>
+              <a:t> </a:t>
+            </a:r>
+          </a:p>
+        </p:txBody>
+      </p:sp>
+    </p:spTree>
+    <p:extLst>
+      <p:ext uri="{BB962C8B-B14F-4D97-AF65-F5344CB8AC3E}">
+        <p14:creationId xmlns:p14="http://schemas.microsoft.com/office/powerpoint/2010/main" val="2001601850"/>
+      </p:ext>
+    </p:extLst>
+  </p:cSld>
+  <p:clrMapOvr>
+    <a:masterClrMapping/>
+  </p:clrMapOvr>
+</p:sld>
+</file>
+
+<file path=ppt/slides/slide9.xml><?xml version="1.0" encoding="utf-8"?>
+<p:sld xmlns:a="http://schemas.openxmlformats.org/drawingml/2006/main" xmlns:r="http://schemas.openxmlformats.org/officeDocument/2006/relationships" xmlns:p="http://schemas.openxmlformats.org/presentationml/2006/main">
+  <p:cSld>
+    <p:spTree>
+      <p:nvGrpSpPr>
+        <p:cNvPr id="1" name=""/>
+        <p:cNvGrpSpPr/>
+        <p:nvPr/>
+      </p:nvGrpSpPr>
+      <p:grpSpPr>
+        <a:xfrm>
+          <a:off x="0" y="0"/>
+          <a:ext cx="0" cy="0"/>
+          <a:chOff x="0" y="0"/>
+          <a:chExt cx="0" cy="0"/>
+        </a:xfrm>
+      </p:grpSpPr>
+      <p:sp>
+        <p:nvSpPr>
+          <p:cNvPr id="2" name="Title 1">
+            <a:extLst>
+              <a:ext uri="{FF2B5EF4-FFF2-40B4-BE49-F238E27FC236}">
+                <a16:creationId xmlns:a16="http://schemas.microsoft.com/office/drawing/2014/main" id="{FB8D4FCF-6640-48AF-8B19-73B1C29DD7E5}"/>
+              </a:ext>
+            </a:extLst>
+          </p:cNvPr>
+          <p:cNvSpPr>
+            <a:spLocks noGrp="1"/>
+          </p:cNvSpPr>
+          <p:nvPr>
+            <p:ph type="title"/>
+          </p:nvPr>
+        </p:nvSpPr>
+        <p:spPr/>
+        <p:txBody>
+          <a:bodyPr/>
+          <a:lstStyle/>
+          <a:p>
+            <a:r>
+              <a:rPr lang="en-US" dirty="0"/>
+              <a:t>Read After Write Consistency</a:t>
+            </a:r>
+          </a:p>
+        </p:txBody>
+      </p:sp>
+      <p:sp>
+        <p:nvSpPr>
+          <p:cNvPr id="3" name="Content Placeholder 2">
+            <a:extLst>
+              <a:ext uri="{FF2B5EF4-FFF2-40B4-BE49-F238E27FC236}">
+                <a16:creationId xmlns:a16="http://schemas.microsoft.com/office/drawing/2014/main" id="{C4DCD909-58A8-4E81-989F-C2523E339EEE}"/>
+              </a:ext>
+            </a:extLst>
+          </p:cNvPr>
+          <p:cNvSpPr>
+            <a:spLocks noGrp="1"/>
+          </p:cNvSpPr>
+          <p:nvPr>
+            <p:ph idx="1"/>
+          </p:nvPr>
+        </p:nvSpPr>
+        <p:spPr/>
+        <p:txBody>
+          <a:bodyPr/>
+          <a:lstStyle/>
+          <a:p>
+            <a:endParaRPr lang="en-US"/>
+          </a:p>
+        </p:txBody>
+      </p:sp>
+    </p:spTree>
+    <p:extLst>
+      <p:ext uri="{BB962C8B-B14F-4D97-AF65-F5344CB8AC3E}">
+        <p14:creationId xmlns:p14="http://schemas.microsoft.com/office/powerpoint/2010/main" val="649372052"/>
       </p:ext>
     </p:extLst>
   </p:cSld>
@@ -11891,4 +16358,299 @@
     </a:ext>
   </a:extLst>
 </a:theme>
+</file>
+
+<file path=ppt/theme/theme2.xml><?xml version="1.0" encoding="utf-8"?>
+<a:theme xmlns:a="http://schemas.openxmlformats.org/drawingml/2006/main" name="Office Theme">
+  <a:themeElements>
+    <a:clrScheme name="Office">
+      <a:dk1>
+        <a:sysClr val="windowText" lastClr="000000"/>
+      </a:dk1>
+      <a:lt1>
+        <a:sysClr val="window" lastClr="FFFFFF"/>
+      </a:lt1>
+      <a:dk2>
+        <a:srgbClr val="44546A"/>
+      </a:dk2>
+      <a:lt2>
+        <a:srgbClr val="E7E6E6"/>
+      </a:lt2>
+      <a:accent1>
+        <a:srgbClr val="4472C4"/>
+      </a:accent1>
+      <a:accent2>
+        <a:srgbClr val="ED7D31"/>
+      </a:accent2>
+      <a:accent3>
+        <a:srgbClr val="A5A5A5"/>
+      </a:accent3>
+      <a:accent4>
+        <a:srgbClr val="FFC000"/>
+      </a:accent4>
+      <a:accent5>
+        <a:srgbClr val="5B9BD5"/>
+      </a:accent5>
+      <a:accent6>
+        <a:srgbClr val="70AD47"/>
+      </a:accent6>
+      <a:hlink>
+        <a:srgbClr val="0563C1"/>
+      </a:hlink>
+      <a:folHlink>
+        <a:srgbClr val="954F72"/>
+      </a:folHlink>
+    </a:clrScheme>
+    <a:fontScheme name="Office">
+      <a:majorFont>
+        <a:latin typeface="Calibri Light" panose="020F0302020204030204"/>
+        <a:ea typeface=""/>
+        <a:cs typeface=""/>
+        <a:font script="Jpan" typeface="游ゴシック Light"/>
+        <a:font script="Hang" typeface="맑은 고딕"/>
+        <a:font script="Hans" typeface="等线 Light"/>
+        <a:font script="Hant" typeface="新細明體"/>
+        <a:font script="Arab" typeface="Times New Roman"/>
+        <a:font script="Hebr" typeface="Times New Roman"/>
+        <a:font script="Thai" typeface="Angsana New"/>
+        <a:font script="Ethi" typeface="Nyala"/>
+        <a:font script="Beng" typeface="Vrinda"/>
+        <a:font script="Gujr" typeface="Shruti"/>
+        <a:font script="Khmr" typeface="MoolBoran"/>
+        <a:font script="Knda" typeface="Tunga"/>
+        <a:font script="Guru" typeface="Raavi"/>
+        <a:font script="Cans" typeface="Euphemia"/>
+        <a:font script="Cher" typeface="Plantagenet Cherokee"/>
+        <a:font script="Yiii" typeface="Microsoft Yi Baiti"/>
+        <a:font script="Tibt" typeface="Microsoft Himalaya"/>
+        <a:font script="Thaa" typeface="MV Boli"/>
+        <a:font script="Deva" typeface="Mangal"/>
+        <a:font script="Telu" typeface="Gautami"/>
+        <a:font script="Taml" typeface="Latha"/>
+        <a:font script="Syrc" typeface="Estrangelo Edessa"/>
+        <a:font script="Orya" typeface="Kalinga"/>
+        <a:font script="Mlym" typeface="Kartika"/>
+        <a:font script="Laoo" typeface="DokChampa"/>
+        <a:font script="Sinh" typeface="Iskoola Pota"/>
+        <a:font script="Mong" typeface="Mongolian Baiti"/>
+        <a:font script="Viet" typeface="Times New Roman"/>
+        <a:font script="Uigh" typeface="Microsoft Uighur"/>
+        <a:font script="Geor" typeface="Sylfaen"/>
+        <a:font script="Armn" typeface="Arial"/>
+        <a:font script="Bugi" typeface="Leelawadee UI"/>
+        <a:font script="Bopo" typeface="Microsoft JhengHei"/>
+        <a:font script="Java" typeface="Javanese Text"/>
+        <a:font script="Lisu" typeface="Segoe UI"/>
+        <a:font script="Mymr" typeface="Myanmar Text"/>
+        <a:font script="Nkoo" typeface="Ebrima"/>
+        <a:font script="Olck" typeface="Nirmala UI"/>
+        <a:font script="Osma" typeface="Ebrima"/>
+        <a:font script="Phag" typeface="Phagspa"/>
+        <a:font script="Syrn" typeface="Estrangelo Edessa"/>
+        <a:font script="Syrj" typeface="Estrangelo Edessa"/>
+        <a:font script="Syre" typeface="Estrangelo Edessa"/>
+        <a:font script="Sora" typeface="Nirmala UI"/>
+        <a:font script="Tale" typeface="Microsoft Tai Le"/>
+        <a:font script="Talu" typeface="Microsoft New Tai Lue"/>
+        <a:font script="Tfng" typeface="Ebrima"/>
+      </a:majorFont>
+      <a:minorFont>
+        <a:latin typeface="Calibri" panose="020F0502020204030204"/>
+        <a:ea typeface=""/>
+        <a:cs typeface=""/>
+        <a:font script="Jpan" typeface="游ゴシック"/>
+        <a:font script="Hang" typeface="맑은 고딕"/>
+        <a:font script="Hans" typeface="等线"/>
+        <a:font script="Hant" typeface="新細明體"/>
+        <a:font script="Arab" typeface="Arial"/>
+        <a:font script="Hebr" typeface="Arial"/>
+        <a:font script="Thai" typeface="Cordia New"/>
+        <a:font script="Ethi" typeface="Nyala"/>
+        <a:font script="Beng" typeface="Vrinda"/>
+        <a:font script="Gujr" typeface="Shruti"/>
+        <a:font script="Khmr" typeface="DaunPenh"/>
+        <a:font script="Knda" typeface="Tunga"/>
+        <a:font script="Guru" typeface="Raavi"/>
+        <a:font script="Cans" typeface="Euphemia"/>
+        <a:font script="Cher" typeface="Plantagenet Cherokee"/>
+        <a:font script="Yiii" typeface="Microsoft Yi Baiti"/>
+        <a:font script="Tibt" typeface="Microsoft Himalaya"/>
+        <a:font script="Thaa" typeface="MV Boli"/>
+        <a:font script="Deva" typeface="Mangal"/>
+        <a:font script="Telu" typeface="Gautami"/>
+        <a:font script="Taml" typeface="Latha"/>
+        <a:font script="Syrc" typeface="Estrangelo Edessa"/>
+        <a:font script="Orya" typeface="Kalinga"/>
+        <a:font script="Mlym" typeface="Kartika"/>
+        <a:font script="Laoo" typeface="DokChampa"/>
+        <a:font script="Sinh" typeface="Iskoola Pota"/>
+        <a:font script="Mong" typeface="Mongolian Baiti"/>
+        <a:font script="Viet" typeface="Arial"/>
+        <a:font script="Uigh" typeface="Microsoft Uighur"/>
+        <a:font script="Geor" typeface="Sylfaen"/>
+        <a:font script="Armn" typeface="Arial"/>
+        <a:font script="Bugi" typeface="Leelawadee UI"/>
+        <a:font script="Bopo" typeface="Microsoft JhengHei"/>
+        <a:font script="Java" typeface="Javanese Text"/>
+        <a:font script="Lisu" typeface="Segoe UI"/>
+        <a:font script="Mymr" typeface="Myanmar Text"/>
+        <a:font script="Nkoo" typeface="Ebrima"/>
+        <a:font script="Olck" typeface="Nirmala UI"/>
+        <a:font script="Osma" typeface="Ebrima"/>
+        <a:font script="Phag" typeface="Phagspa"/>
+        <a:font script="Syrn" typeface="Estrangelo Edessa"/>
+        <a:font script="Syrj" typeface="Estrangelo Edessa"/>
+        <a:font script="Syre" typeface="Estrangelo Edessa"/>
+        <a:font script="Sora" typeface="Nirmala UI"/>
+        <a:font script="Tale" typeface="Microsoft Tai Le"/>
+        <a:font script="Talu" typeface="Microsoft New Tai Lue"/>
+        <a:font script="Tfng" typeface="Ebrima"/>
+      </a:minorFont>
+    </a:fontScheme>
+    <a:fmtScheme name="Office">
+      <a:fillStyleLst>
+        <a:solidFill>
+          <a:schemeClr val="phClr"/>
+        </a:solidFill>
+        <a:gradFill rotWithShape="1">
+          <a:gsLst>
+            <a:gs pos="0">
+              <a:schemeClr val="phClr">
+                <a:lumMod val="110000"/>
+                <a:satMod val="105000"/>
+                <a:tint val="67000"/>
+              </a:schemeClr>
+            </a:gs>
+            <a:gs pos="50000">
+              <a:schemeClr val="phClr">
+                <a:lumMod val="105000"/>
+                <a:satMod val="103000"/>
+                <a:tint val="73000"/>
+              </a:schemeClr>
+            </a:gs>
+            <a:gs pos="100000">
+              <a:schemeClr val="phClr">
+                <a:lumMod val="105000"/>
+                <a:satMod val="109000"/>
+                <a:tint val="81000"/>
+              </a:schemeClr>
+            </a:gs>
+          </a:gsLst>
+          <a:lin ang="5400000" scaled="0"/>
+        </a:gradFill>
+        <a:gradFill rotWithShape="1">
+          <a:gsLst>
+            <a:gs pos="0">
+              <a:schemeClr val="phClr">
+                <a:satMod val="103000"/>
+                <a:lumMod val="102000"/>
+                <a:tint val="94000"/>
+              </a:schemeClr>
+            </a:gs>
+            <a:gs pos="50000">
+              <a:schemeClr val="phClr">
+                <a:satMod val="110000"/>
+                <a:lumMod val="100000"/>
+                <a:shade val="100000"/>
+              </a:schemeClr>
+            </a:gs>
+            <a:gs pos="100000">
+              <a:schemeClr val="phClr">
+                <a:lumMod val="99000"/>
+                <a:satMod val="120000"/>
+                <a:shade val="78000"/>
+              </a:schemeClr>
+            </a:gs>
+          </a:gsLst>
+          <a:lin ang="5400000" scaled="0"/>
+        </a:gradFill>
+      </a:fillStyleLst>
+      <a:lnStyleLst>
+        <a:ln w="6350" cap="flat" cmpd="sng" algn="ctr">
+          <a:solidFill>
+            <a:schemeClr val="phClr"/>
+          </a:solidFill>
+          <a:prstDash val="solid"/>
+          <a:miter lim="800000"/>
+        </a:ln>
+        <a:ln w="12700" cap="flat" cmpd="sng" algn="ctr">
+          <a:solidFill>
+            <a:schemeClr val="phClr"/>
+          </a:solidFill>
+          <a:prstDash val="solid"/>
+          <a:miter lim="800000"/>
+        </a:ln>
+        <a:ln w="19050" cap="flat" cmpd="sng" algn="ctr">
+          <a:solidFill>
+            <a:schemeClr val="phClr"/>
+          </a:solidFill>
+          <a:prstDash val="solid"/>
+          <a:miter lim="800000"/>
+        </a:ln>
+      </a:lnStyleLst>
+      <a:effectStyleLst>
+        <a:effectStyle>
+          <a:effectLst/>
+        </a:effectStyle>
+        <a:effectStyle>
+          <a:effectLst/>
+        </a:effectStyle>
+        <a:effectStyle>
+          <a:effectLst>
+            <a:outerShdw blurRad="57150" dist="19050" dir="5400000" algn="ctr" rotWithShape="0">
+              <a:srgbClr val="000000">
+                <a:alpha val="63000"/>
+              </a:srgbClr>
+            </a:outerShdw>
+          </a:effectLst>
+        </a:effectStyle>
+      </a:effectStyleLst>
+      <a:bgFillStyleLst>
+        <a:solidFill>
+          <a:schemeClr val="phClr"/>
+        </a:solidFill>
+        <a:solidFill>
+          <a:schemeClr val="phClr">
+            <a:tint val="95000"/>
+            <a:satMod val="170000"/>
+          </a:schemeClr>
+        </a:solidFill>
+        <a:gradFill rotWithShape="1">
+          <a:gsLst>
+            <a:gs pos="0">
+              <a:schemeClr val="phClr">
+                <a:tint val="93000"/>
+                <a:satMod val="150000"/>
+                <a:shade val="98000"/>
+                <a:lumMod val="102000"/>
+              </a:schemeClr>
+            </a:gs>
+            <a:gs pos="50000">
+              <a:schemeClr val="phClr">
+                <a:tint val="98000"/>
+                <a:satMod val="130000"/>
+                <a:shade val="90000"/>
+                <a:lumMod val="103000"/>
+              </a:schemeClr>
+            </a:gs>
+            <a:gs pos="100000">
+              <a:schemeClr val="phClr">
+                <a:shade val="63000"/>
+                <a:satMod val="120000"/>
+              </a:schemeClr>
+            </a:gs>
+          </a:gsLst>
+          <a:lin ang="5400000" scaled="0"/>
+        </a:gradFill>
+      </a:bgFillStyleLst>
+    </a:fmtScheme>
+  </a:themeElements>
+  <a:objectDefaults/>
+  <a:extraClrSchemeLst/>
+  <a:extLst>
+    <a:ext uri="{05A4C25C-085E-4340-85A3-A5531E510DB2}">
+      <thm15:themeFamily xmlns:thm15="http://schemas.microsoft.com/office/thememl/2012/main" name="Office Theme" id="{62F939B6-93AF-4DB8-9C6B-D6C7DFDC589F}" vid="{4A3C46E8-61CC-4603-A589-7422A47A8E4A}"/>
+    </a:ext>
+  </a:extLst>
+</a:theme>
 </file>